--- a/docs/presentation/CubeX.pptx
+++ b/docs/presentation/CubeX.pptx
@@ -10,13 +10,10 @@
     <p:sldId id="258" r:id="rId4"/>
     <p:sldId id="267" r:id="rId5"/>
     <p:sldId id="268" r:id="rId6"/>
-    <p:sldId id="264" r:id="rId7"/>
-    <p:sldId id="266" r:id="rId8"/>
-    <p:sldId id="262" r:id="rId9"/>
-    <p:sldId id="259" r:id="rId10"/>
-    <p:sldId id="261" r:id="rId11"/>
-    <p:sldId id="269" r:id="rId12"/>
-    <p:sldId id="270" r:id="rId13"/>
+    <p:sldId id="266" r:id="rId7"/>
+    <p:sldId id="262" r:id="rId8"/>
+    <p:sldId id="259" r:id="rId9"/>
+    <p:sldId id="269" r:id="rId10"/>
   </p:sldIdLst>
   <p:sldSz cx="12192000" cy="6858000"/>
   <p:notesSz cx="6858000" cy="9144000"/>
@@ -125,13 +122,10 @@
             <p14:sldId id="258"/>
             <p14:sldId id="267"/>
             <p14:sldId id="268"/>
-            <p14:sldId id="264"/>
             <p14:sldId id="266"/>
             <p14:sldId id="262"/>
             <p14:sldId id="259"/>
-            <p14:sldId id="261"/>
             <p14:sldId id="269"/>
-            <p14:sldId id="270"/>
           </p14:sldIdLst>
         </p14:section>
       </p14:sectionLst>
@@ -2304,10 +2298,9 @@
             </a:lnSpc>
           </a:pPr>
           <a:r>
-            <a:rPr lang="de-DE" dirty="0" err="1"/>
-            <a:t>Reflection</a:t>
+            <a:rPr lang="de-DE" dirty="0"/>
+            <a:t>Timeline</a:t>
           </a:r>
-          <a:endParaRPr lang="de-DE" dirty="0"/>
         </a:p>
       </dgm:t>
     </dgm:pt>
@@ -2605,11 +2598,9 @@
               <a:ext uri="{28A0092B-C50C-407E-A947-70E740481C1C}">
                 <a14:useLocalDpi xmlns:a14="http://schemas.microsoft.com/office/drawing/2010/main" val="0"/>
               </a:ext>
-              <a:ext uri="{96DAC541-7B7A-43D3-8B79-37D633B846F1}">
-                <asvg:svgBlip xmlns:asvg="http://schemas.microsoft.com/office/drawing/2016/SVG/main" r:embed="rId9"/>
-              </a:ext>
             </a:extLst>
           </a:blip>
+          <a:srcRect/>
           <a:stretch>
             <a:fillRect/>
           </a:stretch>
@@ -2618,11 +2609,6 @@
           <a:noFill/>
         </a:ln>
       </dgm:spPr>
-      <dgm:extLst>
-        <a:ext uri="{E40237B7-FDA0-4F09-8148-C483321AD2D9}">
-          <dgm14:cNvPr xmlns:dgm14="http://schemas.microsoft.com/office/drawing/2010/diagram" id="0" name="" descr="Thought bubble"/>
-        </a:ext>
-      </dgm:extLst>
     </dgm:pt>
     <dgm:pt modelId="{B8A2E357-45BD-4998-9E62-78BBE00881ED}" type="pres">
       <dgm:prSet presAssocID="{B1E065FC-624A-43CF-AFA7-0B5F5B802603}" presName="spaceRect" presStyleCnt="0"/>
@@ -2653,13 +2639,13 @@
       <dgm:prSet presAssocID="{054F8787-9F51-4122-B7FD-56601F1BD151}" presName="iconRect" presStyleLbl="node1" presStyleIdx="5" presStyleCnt="6"/>
       <dgm:spPr>
         <a:blipFill>
-          <a:blip xmlns:r="http://schemas.openxmlformats.org/officeDocument/2006/relationships" r:embed="rId10">
+          <a:blip xmlns:r="http://schemas.openxmlformats.org/officeDocument/2006/relationships" r:embed="rId9">
             <a:extLst>
               <a:ext uri="{28A0092B-C50C-407E-A947-70E740481C1C}">
                 <a14:useLocalDpi xmlns:a14="http://schemas.microsoft.com/office/drawing/2010/main" val="0"/>
               </a:ext>
               <a:ext uri="{96DAC541-7B7A-43D3-8B79-37D633B846F1}">
-                <asvg:svgBlip xmlns:asvg="http://schemas.microsoft.com/office/drawing/2016/SVG/main" r:embed="rId11"/>
+                <asvg:svgBlip xmlns:asvg="http://schemas.microsoft.com/office/drawing/2016/SVG/main" r:embed="rId10"/>
               </a:ext>
             </a:extLst>
           </a:blip>
@@ -3692,11 +3678,9 @@
               <a:ext uri="{28A0092B-C50C-407E-A947-70E740481C1C}">
                 <a14:useLocalDpi xmlns:a14="http://schemas.microsoft.com/office/drawing/2010/main" val="0"/>
               </a:ext>
-              <a:ext uri="{96DAC541-7B7A-43D3-8B79-37D633B846F1}">
-                <asvg:svgBlip xmlns:asvg="http://schemas.microsoft.com/office/drawing/2016/SVG/main" r:embed="rId9"/>
-              </a:ext>
             </a:extLst>
           </a:blip>
+          <a:srcRect/>
           <a:stretch>
             <a:fillRect/>
           </a:stretch>
@@ -3772,10 +3756,9 @@
             <a:buNone/>
           </a:pPr>
           <a:r>
-            <a:rPr lang="de-DE" sz="1900" kern="1200" dirty="0" err="1"/>
-            <a:t>Reflection</a:t>
+            <a:rPr lang="de-DE" sz="1900" kern="1200" dirty="0"/>
+            <a:t>Timeline</a:t>
           </a:r>
-          <a:endParaRPr lang="de-DE" sz="1900" kern="1200" dirty="0"/>
         </a:p>
       </dsp:txBody>
       <dsp:txXfrm>
@@ -3839,13 +3822,13 @@
           <a:avLst/>
         </a:prstGeom>
         <a:blipFill>
-          <a:blip xmlns:r="http://schemas.openxmlformats.org/officeDocument/2006/relationships" r:embed="rId10">
+          <a:blip xmlns:r="http://schemas.openxmlformats.org/officeDocument/2006/relationships" r:embed="rId9">
             <a:extLst>
               <a:ext uri="{28A0092B-C50C-407E-A947-70E740481C1C}">
                 <a14:useLocalDpi xmlns:a14="http://schemas.microsoft.com/office/drawing/2010/main" val="0"/>
               </a:ext>
               <a:ext uri="{96DAC541-7B7A-43D3-8B79-37D633B846F1}">
-                <asvg:svgBlip xmlns:asvg="http://schemas.microsoft.com/office/drawing/2016/SVG/main" r:embed="rId11"/>
+                <asvg:svgBlip xmlns:asvg="http://schemas.microsoft.com/office/drawing/2016/SVG/main" r:embed="rId10"/>
               </a:ext>
             </a:extLst>
           </a:blip>
@@ -7496,7 +7479,7 @@
             <a:fld id="{B61BEF0D-F0BB-DE4B-95CE-6DB70DBA9567}" type="datetimeFigureOut">
               <a:rPr lang="en-US" smtClean="0"/>
               <a:pPr/>
-              <a:t>3/4/2020</a:t>
+              <a:t>3/5/2020</a:t>
             </a:fld>
             <a:endParaRPr lang="en-US" dirty="0"/>
           </a:p>
@@ -7749,7 +7732,7 @@
             <a:fld id="{B61BEF0D-F0BB-DE4B-95CE-6DB70DBA9567}" type="datetimeFigureOut">
               <a:rPr lang="en-US" smtClean="0"/>
               <a:pPr/>
-              <a:t>3/4/2020</a:t>
+              <a:t>3/5/2020</a:t>
             </a:fld>
             <a:endParaRPr lang="en-US" dirty="0"/>
           </a:p>
@@ -8065,7 +8048,7 @@
             <a:fld id="{B61BEF0D-F0BB-DE4B-95CE-6DB70DBA9567}" type="datetimeFigureOut">
               <a:rPr lang="en-US" smtClean="0"/>
               <a:pPr/>
-              <a:t>3/4/2020</a:t>
+              <a:t>3/5/2020</a:t>
             </a:fld>
             <a:endParaRPr lang="en-US" dirty="0"/>
           </a:p>
@@ -8408,7 +8391,7 @@
             <a:fld id="{B61BEF0D-F0BB-DE4B-95CE-6DB70DBA9567}" type="datetimeFigureOut">
               <a:rPr lang="en-US" smtClean="0"/>
               <a:pPr/>
-              <a:t>3/4/2020</a:t>
+              <a:t>3/5/2020</a:t>
             </a:fld>
             <a:endParaRPr lang="en-US" dirty="0"/>
           </a:p>
@@ -8724,7 +8707,7 @@
             <a:fld id="{B61BEF0D-F0BB-DE4B-95CE-6DB70DBA9567}" type="datetimeFigureOut">
               <a:rPr lang="en-US" smtClean="0"/>
               <a:pPr/>
-              <a:t>3/4/2020</a:t>
+              <a:t>3/5/2020</a:t>
             </a:fld>
             <a:endParaRPr lang="en-US" dirty="0"/>
           </a:p>
@@ -9119,7 +9102,7 @@
             <a:fld id="{B61BEF0D-F0BB-DE4B-95CE-6DB70DBA9567}" type="datetimeFigureOut">
               <a:rPr lang="en-US" smtClean="0"/>
               <a:pPr/>
-              <a:t>3/4/2020</a:t>
+              <a:t>3/5/2020</a:t>
             </a:fld>
             <a:endParaRPr lang="en-US" dirty="0"/>
           </a:p>
@@ -9291,7 +9274,7 @@
             <a:fld id="{B61BEF0D-F0BB-DE4B-95CE-6DB70DBA9567}" type="datetimeFigureOut">
               <a:rPr lang="en-US" smtClean="0"/>
               <a:pPr/>
-              <a:t>3/4/2020</a:t>
+              <a:t>3/5/2020</a:t>
             </a:fld>
             <a:endParaRPr lang="en-US" dirty="0"/>
           </a:p>
@@ -9473,7 +9456,7 @@
             <a:fld id="{B61BEF0D-F0BB-DE4B-95CE-6DB70DBA9567}" type="datetimeFigureOut">
               <a:rPr lang="en-US" smtClean="0"/>
               <a:pPr/>
-              <a:t>3/4/2020</a:t>
+              <a:t>3/5/2020</a:t>
             </a:fld>
             <a:endParaRPr lang="en-US" dirty="0"/>
           </a:p>
@@ -9651,7 +9634,7 @@
             <a:fld id="{B61BEF0D-F0BB-DE4B-95CE-6DB70DBA9567}" type="datetimeFigureOut">
               <a:rPr lang="en-US" smtClean="0"/>
               <a:pPr/>
-              <a:t>3/4/2020</a:t>
+              <a:t>3/5/2020</a:t>
             </a:fld>
             <a:endParaRPr lang="en-US" dirty="0"/>
           </a:p>
@@ -9900,7 +9883,7 @@
             <a:fld id="{B61BEF0D-F0BB-DE4B-95CE-6DB70DBA9567}" type="datetimeFigureOut">
               <a:rPr lang="en-US" smtClean="0"/>
               <a:pPr/>
-              <a:t>3/4/2020</a:t>
+              <a:t>3/5/2020</a:t>
             </a:fld>
             <a:endParaRPr lang="en-US" dirty="0"/>
           </a:p>
@@ -10134,7 +10117,7 @@
             <a:fld id="{B61BEF0D-F0BB-DE4B-95CE-6DB70DBA9567}" type="datetimeFigureOut">
               <a:rPr lang="en-US" smtClean="0"/>
               <a:pPr/>
-              <a:t>3/4/2020</a:t>
+              <a:t>3/5/2020</a:t>
             </a:fld>
             <a:endParaRPr lang="en-US" dirty="0"/>
           </a:p>
@@ -10510,7 +10493,7 @@
             <a:fld id="{B61BEF0D-F0BB-DE4B-95CE-6DB70DBA9567}" type="datetimeFigureOut">
               <a:rPr lang="en-US" smtClean="0"/>
               <a:pPr/>
-              <a:t>3/4/2020</a:t>
+              <a:t>3/5/2020</a:t>
             </a:fld>
             <a:endParaRPr lang="en-US" dirty="0"/>
           </a:p>
@@ -10635,7 +10618,7 @@
             <a:fld id="{B61BEF0D-F0BB-DE4B-95CE-6DB70DBA9567}" type="datetimeFigureOut">
               <a:rPr lang="en-US" smtClean="0"/>
               <a:pPr/>
-              <a:t>3/4/2020</a:t>
+              <a:t>3/5/2020</a:t>
             </a:fld>
             <a:endParaRPr lang="en-US" dirty="0"/>
           </a:p>
@@ -10732,7 +10715,7 @@
             <a:fld id="{B61BEF0D-F0BB-DE4B-95CE-6DB70DBA9567}" type="datetimeFigureOut">
               <a:rPr lang="en-US" smtClean="0"/>
               <a:pPr/>
-              <a:t>3/4/2020</a:t>
+              <a:t>3/5/2020</a:t>
             </a:fld>
             <a:endParaRPr lang="en-US" dirty="0"/>
           </a:p>
@@ -10989,7 +10972,7 @@
             <a:fld id="{B61BEF0D-F0BB-DE4B-95CE-6DB70DBA9567}" type="datetimeFigureOut">
               <a:rPr lang="en-US" smtClean="0"/>
               <a:pPr/>
-              <a:t>3/4/2020</a:t>
+              <a:t>3/5/2020</a:t>
             </a:fld>
             <a:endParaRPr lang="en-US" dirty="0"/>
           </a:p>
@@ -11254,7 +11237,7 @@
             <a:fld id="{B61BEF0D-F0BB-DE4B-95CE-6DB70DBA9567}" type="datetimeFigureOut">
               <a:rPr lang="en-US" smtClean="0"/>
               <a:pPr/>
-              <a:t>3/4/2020</a:t>
+              <a:t>3/5/2020</a:t>
             </a:fld>
             <a:endParaRPr lang="en-US" dirty="0"/>
           </a:p>
@@ -11999,7 +11982,7 @@
             <a:fld id="{B61BEF0D-F0BB-DE4B-95CE-6DB70DBA9567}" type="datetimeFigureOut">
               <a:rPr lang="en-US" smtClean="0"/>
               <a:pPr/>
-              <a:t>3/4/2020</a:t>
+              <a:t>3/5/2020</a:t>
             </a:fld>
             <a:endParaRPr lang="en-US" dirty="0"/>
           </a:p>
@@ -12627,1889 +12610,6 @@
 </p:sld>
 </file>
 
-<file path=ppt/slides/slide10.xml><?xml version="1.0" encoding="utf-8"?>
-<p:sld xmlns:a="http://schemas.openxmlformats.org/drawingml/2006/main" xmlns:r="http://schemas.openxmlformats.org/officeDocument/2006/relationships" xmlns:p="http://schemas.openxmlformats.org/presentationml/2006/main">
-  <p:cSld>
-    <p:spTree>
-      <p:nvGrpSpPr>
-        <p:cNvPr id="1" name=""/>
-        <p:cNvGrpSpPr/>
-        <p:nvPr/>
-      </p:nvGrpSpPr>
-      <p:grpSpPr>
-        <a:xfrm>
-          <a:off x="0" y="0"/>
-          <a:ext cx="0" cy="0"/>
-          <a:chOff x="0" y="0"/>
-          <a:chExt cx="0" cy="0"/>
-        </a:xfrm>
-      </p:grpSpPr>
-      <p:pic>
-        <p:nvPicPr>
-          <p:cNvPr id="5" name="Content Placeholder 4" descr="A picture containing brick, clock, table&#10;&#10;Description automatically generated">
-            <a:extLst>
-              <a:ext uri="{FF2B5EF4-FFF2-40B4-BE49-F238E27FC236}">
-                <a16:creationId xmlns:a16="http://schemas.microsoft.com/office/drawing/2014/main" id="{69CA677B-02B3-8541-B1FE-E8257B246F18}"/>
-              </a:ext>
-            </a:extLst>
-          </p:cNvPr>
-          <p:cNvPicPr>
-            <a:picLocks noGrp="1" noChangeAspect="1"/>
-          </p:cNvPicPr>
-          <p:nvPr>
-            <p:ph idx="1"/>
-          </p:nvPr>
-        </p:nvPicPr>
-        <p:blipFill>
-          <a:blip r:embed="rId2"/>
-          <a:stretch>
-            <a:fillRect/>
-          </a:stretch>
-        </p:blipFill>
-        <p:spPr>
-          <a:xfrm>
-            <a:off x="3125514" y="1829029"/>
-            <a:ext cx="3700307" cy="4270869"/>
-          </a:xfrm>
-        </p:spPr>
-      </p:pic>
-      <p:sp>
-        <p:nvSpPr>
-          <p:cNvPr id="2" name="Title 1">
-            <a:extLst>
-              <a:ext uri="{FF2B5EF4-FFF2-40B4-BE49-F238E27FC236}">
-                <a16:creationId xmlns:a16="http://schemas.microsoft.com/office/drawing/2014/main" id="{AC6BF8A2-FE5C-0345-929A-5B8ABBFF62A8}"/>
-              </a:ext>
-            </a:extLst>
-          </p:cNvPr>
-          <p:cNvSpPr>
-            <a:spLocks noGrp="1"/>
-          </p:cNvSpPr>
-          <p:nvPr>
-            <p:ph type="title"/>
-          </p:nvPr>
-        </p:nvSpPr>
-        <p:spPr/>
-        <p:txBody>
-          <a:bodyPr/>
-          <a:lstStyle/>
-          <a:p>
-            <a:pPr algn="ctr"/>
-            <a:r>
-              <a:rPr lang="en-DE" dirty="0"/>
-              <a:t>Reflection</a:t>
-            </a:r>
-          </a:p>
-        </p:txBody>
-      </p:sp>
-    </p:spTree>
-    <p:extLst>
-      <p:ext uri="{BB962C8B-B14F-4D97-AF65-F5344CB8AC3E}">
-        <p14:creationId xmlns:p14="http://schemas.microsoft.com/office/powerpoint/2010/main" val="1881976095"/>
-      </p:ext>
-    </p:extLst>
-  </p:cSld>
-  <p:clrMapOvr>
-    <a:masterClrMapping/>
-  </p:clrMapOvr>
-  <mc:AlternateContent xmlns:mc="http://schemas.openxmlformats.org/markup-compatibility/2006">
-    <mc:Choice xmlns:p159="http://schemas.microsoft.com/office/powerpoint/2015/09/main" Requires="p159">
-      <p:transition xmlns:p14="http://schemas.microsoft.com/office/powerpoint/2010/main" spd="slow" p14:dur="2000">
-        <p159:morph option="byObject"/>
-      </p:transition>
-    </mc:Choice>
-    <mc:Fallback>
-      <p:transition spd="slow">
-        <p:fade/>
-      </p:transition>
-    </mc:Fallback>
-  </mc:AlternateContent>
-</p:sld>
-</file>
-
-<file path=ppt/slides/slide11.xml><?xml version="1.0" encoding="utf-8"?>
-<p:sld xmlns:a="http://schemas.openxmlformats.org/drawingml/2006/main" xmlns:r="http://schemas.openxmlformats.org/officeDocument/2006/relationships" xmlns:p="http://schemas.openxmlformats.org/presentationml/2006/main">
-  <p:cSld>
-    <p:bg>
-      <p:bgPr>
-        <a:solidFill>
-          <a:schemeClr val="bg1"/>
-        </a:solidFill>
-        <a:effectLst/>
-      </p:bgPr>
-    </p:bg>
-    <p:spTree>
-      <p:nvGrpSpPr>
-        <p:cNvPr id="1" name=""/>
-        <p:cNvGrpSpPr/>
-        <p:nvPr/>
-      </p:nvGrpSpPr>
-      <p:grpSpPr>
-        <a:xfrm>
-          <a:off x="0" y="0"/>
-          <a:ext cx="0" cy="0"/>
-          <a:chOff x="0" y="0"/>
-          <a:chExt cx="0" cy="0"/>
-        </a:xfrm>
-      </p:grpSpPr>
-      <p:sp>
-        <p:nvSpPr>
-          <p:cNvPr id="39" name="Rectangle 38">
-            <a:extLst>
-              <a:ext uri="{FF2B5EF4-FFF2-40B4-BE49-F238E27FC236}">
-                <a16:creationId xmlns:a16="http://schemas.microsoft.com/office/drawing/2014/main" id="{8E2EB503-A017-4457-A105-53638C97DEB8}"/>
-              </a:ext>
-              <a:ext uri="{C183D7F6-B498-43B3-948B-1728B52AA6E4}">
-                <adec:decorative xmlns:adec="http://schemas.microsoft.com/office/drawing/2017/decorative" val="1"/>
-              </a:ext>
-            </a:extLst>
-          </p:cNvPr>
-          <p:cNvSpPr>
-            <a:spLocks noGrp="1" noRot="1" noChangeAspect="1" noMove="1" noResize="1" noEditPoints="1" noAdjustHandles="1" noChangeArrowheads="1" noChangeShapeType="1" noTextEdit="1"/>
-          </p:cNvSpPr>
-          <p:nvPr>
-            <p:extLst>
-              <p:ext uri="{386F3935-93C4-4BCD-93E2-E3B085C9AB24}">
-                <p16:designElem xmlns:p16="http://schemas.microsoft.com/office/powerpoint/2015/main" val="1"/>
-              </p:ext>
-            </p:extLst>
-          </p:nvPr>
-        </p:nvSpPr>
-        <p:spPr>
-          <a:xfrm>
-            <a:off x="0" y="0"/>
-            <a:ext cx="12192000" cy="6866465"/>
-          </a:xfrm>
-          <a:prstGeom prst="rect">
-            <a:avLst/>
-          </a:prstGeom>
-          <a:solidFill>
-            <a:schemeClr val="bg1"/>
-          </a:solidFill>
-          <a:ln>
-            <a:noFill/>
-          </a:ln>
-        </p:spPr>
-        <p:style>
-          <a:lnRef idx="2">
-            <a:schemeClr val="accent1">
-              <a:shade val="50000"/>
-            </a:schemeClr>
-          </a:lnRef>
-          <a:fillRef idx="1">
-            <a:schemeClr val="accent1"/>
-          </a:fillRef>
-          <a:effectRef idx="0">
-            <a:schemeClr val="accent1"/>
-          </a:effectRef>
-          <a:fontRef idx="minor">
-            <a:schemeClr val="lt1"/>
-          </a:fontRef>
-        </p:style>
-        <p:txBody>
-          <a:bodyPr rtlCol="0" anchor="ctr"/>
-          <a:lstStyle/>
-          <a:p>
-            <a:pPr marL="0" marR="0" lvl="0" indent="0" algn="ctr" defTabSz="914400" rtl="0" eaLnBrk="1" fontAlgn="auto" latinLnBrk="0" hangingPunct="1">
-              <a:lnSpc>
-                <a:spcPct val="100000"/>
-              </a:lnSpc>
-              <a:spcBef>
-                <a:spcPts val="0"/>
-              </a:spcBef>
-              <a:spcAft>
-                <a:spcPts val="0"/>
-              </a:spcAft>
-              <a:buClrTx/>
-              <a:buSzTx/>
-              <a:buFontTx/>
-              <a:buNone/>
-              <a:tabLst/>
-              <a:defRPr/>
-            </a:pPr>
-            <a:endParaRPr kumimoji="0" lang="en-US" sz="1800" b="0" i="0" u="none" strike="noStrike" kern="1200" cap="none" spc="0" normalizeH="0" baseline="0" noProof="0">
-              <a:ln>
-                <a:noFill/>
-              </a:ln>
-              <a:solidFill>
-                <a:prstClr val="white"/>
-              </a:solidFill>
-              <a:effectLst/>
-              <a:uLnTx/>
-              <a:uFillTx/>
-              <a:latin typeface="Trebuchet MS" panose="020B0603020202020204"/>
-              <a:ea typeface="+mn-ea"/>
-              <a:cs typeface="+mn-cs"/>
-            </a:endParaRPr>
-          </a:p>
-        </p:txBody>
-      </p:sp>
-      <p:pic>
-        <p:nvPicPr>
-          <p:cNvPr id="20" name="Content Placeholder 4" descr="A picture containing brick, clock, table&#10;&#10;Description automatically generated">
-            <a:extLst>
-              <a:ext uri="{FF2B5EF4-FFF2-40B4-BE49-F238E27FC236}">
-                <a16:creationId xmlns:a16="http://schemas.microsoft.com/office/drawing/2014/main" id="{5873F92E-17C0-4CE3-B8CD-F80F31BEE618}"/>
-              </a:ext>
-            </a:extLst>
-          </p:cNvPr>
-          <p:cNvPicPr>
-            <a:picLocks noChangeAspect="1"/>
-          </p:cNvPicPr>
-          <p:nvPr/>
-        </p:nvPicPr>
-        <p:blipFill rotWithShape="1">
-          <a:blip r:embed="rId2">
-            <a:alphaModFix amt="40000"/>
-          </a:blip>
-          <a:srcRect t="26419" r="-1" b="24711"/>
-          <a:stretch/>
-        </p:blipFill>
-        <p:spPr>
-          <a:xfrm>
-            <a:off x="20" y="-1"/>
-            <a:ext cx="12188804" cy="6866465"/>
-          </a:xfrm>
-          <a:prstGeom prst="rect">
-            <a:avLst/>
-          </a:prstGeom>
-        </p:spPr>
-      </p:pic>
-      <p:sp>
-        <p:nvSpPr>
-          <p:cNvPr id="2" name="Title 1">
-            <a:extLst>
-              <a:ext uri="{FF2B5EF4-FFF2-40B4-BE49-F238E27FC236}">
-                <a16:creationId xmlns:a16="http://schemas.microsoft.com/office/drawing/2014/main" id="{A52C5AA9-999C-BF4F-A765-251C68A75C41}"/>
-              </a:ext>
-            </a:extLst>
-          </p:cNvPr>
-          <p:cNvSpPr>
-            <a:spLocks noGrp="1"/>
-          </p:cNvSpPr>
-          <p:nvPr>
-            <p:ph type="title"/>
-          </p:nvPr>
-        </p:nvSpPr>
-        <p:spPr>
-          <a:xfrm>
-            <a:off x="677334" y="4765972"/>
-            <a:ext cx="8596668" cy="1320800"/>
-          </a:xfrm>
-        </p:spPr>
-        <p:txBody>
-          <a:bodyPr vert="horz" lIns="91440" tIns="45720" rIns="91440" bIns="45720" rtlCol="0" anchor="ctr">
-            <a:normAutofit/>
-          </a:bodyPr>
-          <a:lstStyle/>
-          <a:p>
-            <a:r>
-              <a:rPr lang="en-US" sz="4400" dirty="0">
-                <a:solidFill>
-                  <a:schemeClr val="tx1"/>
-                </a:solidFill>
-              </a:rPr>
-              <a:t>Reflection</a:t>
-            </a:r>
-          </a:p>
-        </p:txBody>
-      </p:sp>
-    </p:spTree>
-    <p:extLst>
-      <p:ext uri="{BB962C8B-B14F-4D97-AF65-F5344CB8AC3E}">
-        <p14:creationId xmlns:p14="http://schemas.microsoft.com/office/powerpoint/2010/main" val="405733527"/>
-      </p:ext>
-    </p:extLst>
-  </p:cSld>
-  <p:clrMapOvr>
-    <a:overrideClrMapping bg1="dk1" tx1="lt1" bg2="dk2" tx2="lt2" accent1="accent1" accent2="accent2" accent3="accent3" accent4="accent4" accent5="accent5" accent6="accent6" hlink="hlink" folHlink="folHlink"/>
-  </p:clrMapOvr>
-  <mc:AlternateContent xmlns:mc="http://schemas.openxmlformats.org/markup-compatibility/2006">
-    <mc:Choice xmlns:p159="http://schemas.microsoft.com/office/powerpoint/2015/09/main" Requires="p159">
-      <p:transition xmlns:p14="http://schemas.microsoft.com/office/powerpoint/2010/main" spd="slow" p14:dur="2000">
-        <p159:morph option="byObject"/>
-      </p:transition>
-    </mc:Choice>
-    <mc:Fallback>
-      <p:transition spd="slow">
-        <p:fade/>
-      </p:transition>
-    </mc:Fallback>
-  </mc:AlternateContent>
-</p:sld>
-</file>
-
-<file path=ppt/slides/slide12.xml><?xml version="1.0" encoding="utf-8"?>
-<p:sld xmlns:a="http://schemas.openxmlformats.org/drawingml/2006/main" xmlns:r="http://schemas.openxmlformats.org/officeDocument/2006/relationships" xmlns:p="http://schemas.openxmlformats.org/presentationml/2006/main">
-  <p:cSld>
-    <p:bg>
-      <p:bgPr>
-        <a:solidFill>
-          <a:schemeClr val="bg1"/>
-        </a:solidFill>
-        <a:effectLst/>
-      </p:bgPr>
-    </p:bg>
-    <p:spTree>
-      <p:nvGrpSpPr>
-        <p:cNvPr id="1" name=""/>
-        <p:cNvGrpSpPr/>
-        <p:nvPr/>
-      </p:nvGrpSpPr>
-      <p:grpSpPr>
-        <a:xfrm>
-          <a:off x="0" y="0"/>
-          <a:ext cx="0" cy="0"/>
-          <a:chOff x="0" y="0"/>
-          <a:chExt cx="0" cy="0"/>
-        </a:xfrm>
-      </p:grpSpPr>
-      <p:grpSp>
-        <p:nvGrpSpPr>
-          <p:cNvPr id="44" name="Group 43">
-            <a:extLst>
-              <a:ext uri="{FF2B5EF4-FFF2-40B4-BE49-F238E27FC236}">
-                <a16:creationId xmlns:a16="http://schemas.microsoft.com/office/drawing/2014/main" id="{88C9B83F-64CD-41C1-925F-A08801FFD0BD}"/>
-              </a:ext>
-              <a:ext uri="{C183D7F6-B498-43B3-948B-1728B52AA6E4}">
-                <adec:decorative xmlns:adec="http://schemas.microsoft.com/office/drawing/2017/decorative" val="1"/>
-              </a:ext>
-            </a:extLst>
-          </p:cNvPr>
-          <p:cNvGrpSpPr>
-            <a:grpSpLocks noGrp="1" noUngrp="1" noRot="1" noChangeAspect="1" noMove="1" noResize="1"/>
-          </p:cNvGrpSpPr>
-          <p:nvPr>
-            <p:extLst>
-              <p:ext uri="{386F3935-93C4-4BCD-93E2-E3B085C9AB24}">
-                <p16:designElem xmlns:p16="http://schemas.microsoft.com/office/powerpoint/2015/main" val="1"/>
-              </p:ext>
-            </p:extLst>
-          </p:nvPr>
-        </p:nvGrpSpPr>
-        <p:grpSpPr>
-          <a:xfrm>
-            <a:off x="0" y="-8467"/>
-            <a:ext cx="12192000" cy="6866467"/>
-            <a:chOff x="0" y="-8467"/>
-            <a:chExt cx="12192000" cy="6866467"/>
-          </a:xfrm>
-        </p:grpSpPr>
-        <p:cxnSp>
-          <p:nvCxnSpPr>
-            <p:cNvPr id="45" name="Straight Connector 44">
-              <a:extLst>
-                <a:ext uri="{FF2B5EF4-FFF2-40B4-BE49-F238E27FC236}">
-                  <a16:creationId xmlns:a16="http://schemas.microsoft.com/office/drawing/2014/main" id="{E1655065-0BD7-4422-BEC0-4401E998090A}"/>
-                </a:ext>
-                <a:ext uri="{C183D7F6-B498-43B3-948B-1728B52AA6E4}">
-                  <adec:decorative xmlns:adec="http://schemas.microsoft.com/office/drawing/2017/decorative" val="1"/>
-                </a:ext>
-              </a:extLst>
-            </p:cNvPr>
-            <p:cNvCxnSpPr/>
-            <p:nvPr>
-              <p:extLst>
-                <p:ext uri="{386F3935-93C4-4BCD-93E2-E3B085C9AB24}">
-                  <p16:designElem xmlns:p16="http://schemas.microsoft.com/office/powerpoint/2015/main" val="1"/>
-                </p:ext>
-              </p:extLst>
-            </p:nvPr>
-          </p:nvCxnSpPr>
-          <p:spPr>
-            <a:xfrm>
-              <a:off x="9371012" y="0"/>
-              <a:ext cx="1219200" cy="6858000"/>
-            </a:xfrm>
-            <a:prstGeom prst="line">
-              <a:avLst/>
-            </a:prstGeom>
-            <a:ln w="9525">
-              <a:solidFill>
-                <a:schemeClr val="bg1">
-                  <a:lumMod val="75000"/>
-                </a:schemeClr>
-              </a:solidFill>
-            </a:ln>
-          </p:spPr>
-          <p:style>
-            <a:lnRef idx="2">
-              <a:schemeClr val="accent1"/>
-            </a:lnRef>
-            <a:fillRef idx="0">
-              <a:schemeClr val="accent1"/>
-            </a:fillRef>
-            <a:effectRef idx="1">
-              <a:schemeClr val="accent1"/>
-            </a:effectRef>
-            <a:fontRef idx="minor">
-              <a:schemeClr val="tx1"/>
-            </a:fontRef>
-          </p:style>
-        </p:cxnSp>
-        <p:cxnSp>
-          <p:nvCxnSpPr>
-            <p:cNvPr id="46" name="Straight Connector 45">
-              <a:extLst>
-                <a:ext uri="{FF2B5EF4-FFF2-40B4-BE49-F238E27FC236}">
-                  <a16:creationId xmlns:a16="http://schemas.microsoft.com/office/drawing/2014/main" id="{4DDD90AC-ABEC-4A76-9C9C-AD0A5F8FC7F2}"/>
-                </a:ext>
-                <a:ext uri="{C183D7F6-B498-43B3-948B-1728B52AA6E4}">
-                  <adec:decorative xmlns:adec="http://schemas.microsoft.com/office/drawing/2017/decorative" val="1"/>
-                </a:ext>
-              </a:extLst>
-            </p:cNvPr>
-            <p:cNvCxnSpPr/>
-            <p:nvPr>
-              <p:extLst>
-                <p:ext uri="{386F3935-93C4-4BCD-93E2-E3B085C9AB24}">
-                  <p16:designElem xmlns:p16="http://schemas.microsoft.com/office/powerpoint/2015/main" val="1"/>
-                </p:ext>
-              </p:extLst>
-            </p:nvPr>
-          </p:nvCxnSpPr>
-          <p:spPr>
-            <a:xfrm flipH="1">
-              <a:off x="7425267" y="3681413"/>
-              <a:ext cx="4763558" cy="3176587"/>
-            </a:xfrm>
-            <a:prstGeom prst="line">
-              <a:avLst/>
-            </a:prstGeom>
-            <a:ln w="9525">
-              <a:solidFill>
-                <a:schemeClr val="bg1">
-                  <a:lumMod val="85000"/>
-                </a:schemeClr>
-              </a:solidFill>
-            </a:ln>
-          </p:spPr>
-          <p:style>
-            <a:lnRef idx="2">
-              <a:schemeClr val="accent1"/>
-            </a:lnRef>
-            <a:fillRef idx="0">
-              <a:schemeClr val="accent1"/>
-            </a:fillRef>
-            <a:effectRef idx="1">
-              <a:schemeClr val="accent1"/>
-            </a:effectRef>
-            <a:fontRef idx="minor">
-              <a:schemeClr val="tx1"/>
-            </a:fontRef>
-          </p:style>
-        </p:cxnSp>
-        <p:sp>
-          <p:nvSpPr>
-            <p:cNvPr id="47" name="Rectangle 23">
-              <a:extLst>
-                <a:ext uri="{FF2B5EF4-FFF2-40B4-BE49-F238E27FC236}">
-                  <a16:creationId xmlns:a16="http://schemas.microsoft.com/office/drawing/2014/main" id="{21A8AFEF-EC50-4C0B-9C64-814B76C82090}"/>
-                </a:ext>
-                <a:ext uri="{C183D7F6-B498-43B3-948B-1728B52AA6E4}">
-                  <adec:decorative xmlns:adec="http://schemas.microsoft.com/office/drawing/2017/decorative" val="1"/>
-                </a:ext>
-              </a:extLst>
-            </p:cNvPr>
-            <p:cNvSpPr/>
-            <p:nvPr>
-              <p:extLst>
-                <p:ext uri="{386F3935-93C4-4BCD-93E2-E3B085C9AB24}">
-                  <p16:designElem xmlns:p16="http://schemas.microsoft.com/office/powerpoint/2015/main" val="1"/>
-                </p:ext>
-              </p:extLst>
-            </p:nvPr>
-          </p:nvSpPr>
-          <p:spPr>
-            <a:xfrm>
-              <a:off x="9181476" y="-8467"/>
-              <a:ext cx="3007349" cy="6866467"/>
-            </a:xfrm>
-            <a:custGeom>
-              <a:avLst/>
-              <a:gdLst/>
-              <a:ahLst/>
-              <a:cxnLst/>
-              <a:rect l="l" t="t" r="r" b="b"/>
-              <a:pathLst>
-                <a:path w="3007349" h="6866467">
-                  <a:moveTo>
-                    <a:pt x="2045532" y="0"/>
-                  </a:moveTo>
-                  <a:lnTo>
-                    <a:pt x="3007349" y="0"/>
-                  </a:lnTo>
-                  <a:lnTo>
-                    <a:pt x="3007349" y="6866467"/>
-                  </a:lnTo>
-                  <a:lnTo>
-                    <a:pt x="0" y="6866467"/>
-                  </a:lnTo>
-                  <a:lnTo>
-                    <a:pt x="2045532" y="0"/>
-                  </a:lnTo>
-                  <a:close/>
-                </a:path>
-              </a:pathLst>
-            </a:custGeom>
-            <a:solidFill>
-              <a:schemeClr val="accent1">
-                <a:alpha val="30000"/>
-              </a:schemeClr>
-            </a:solidFill>
-            <a:ln>
-              <a:noFill/>
-            </a:ln>
-            <a:effectLst/>
-          </p:spPr>
-          <p:style>
-            <a:lnRef idx="1">
-              <a:schemeClr val="accent1"/>
-            </a:lnRef>
-            <a:fillRef idx="3">
-              <a:schemeClr val="accent1"/>
-            </a:fillRef>
-            <a:effectRef idx="2">
-              <a:schemeClr val="accent1"/>
-            </a:effectRef>
-            <a:fontRef idx="minor">
-              <a:schemeClr val="lt1"/>
-            </a:fontRef>
-          </p:style>
-        </p:sp>
-        <p:sp>
-          <p:nvSpPr>
-            <p:cNvPr id="48" name="Rectangle 25">
-              <a:extLst>
-                <a:ext uri="{FF2B5EF4-FFF2-40B4-BE49-F238E27FC236}">
-                  <a16:creationId xmlns:a16="http://schemas.microsoft.com/office/drawing/2014/main" id="{CAFAA800-E117-4357-84E4-56B63EA03E37}"/>
-                </a:ext>
-                <a:ext uri="{C183D7F6-B498-43B3-948B-1728B52AA6E4}">
-                  <adec:decorative xmlns:adec="http://schemas.microsoft.com/office/drawing/2017/decorative" val="1"/>
-                </a:ext>
-              </a:extLst>
-            </p:cNvPr>
-            <p:cNvSpPr/>
-            <p:nvPr>
-              <p:extLst>
-                <p:ext uri="{386F3935-93C4-4BCD-93E2-E3B085C9AB24}">
-                  <p16:designElem xmlns:p16="http://schemas.microsoft.com/office/powerpoint/2015/main" val="1"/>
-                </p:ext>
-              </p:extLst>
-            </p:nvPr>
-          </p:nvSpPr>
-          <p:spPr>
-            <a:xfrm>
-              <a:off x="9603442" y="-8467"/>
-              <a:ext cx="2588558" cy="6866467"/>
-            </a:xfrm>
-            <a:custGeom>
-              <a:avLst/>
-              <a:gdLst/>
-              <a:ahLst/>
-              <a:cxnLst/>
-              <a:rect l="l" t="t" r="r" b="b"/>
-              <a:pathLst>
-                <a:path w="2573311" h="6866467">
-                  <a:moveTo>
-                    <a:pt x="0" y="0"/>
-                  </a:moveTo>
-                  <a:lnTo>
-                    <a:pt x="2573311" y="0"/>
-                  </a:lnTo>
-                  <a:lnTo>
-                    <a:pt x="2573311" y="6866467"/>
-                  </a:lnTo>
-                  <a:lnTo>
-                    <a:pt x="1202336" y="6866467"/>
-                  </a:lnTo>
-                  <a:lnTo>
-                    <a:pt x="0" y="0"/>
-                  </a:lnTo>
-                  <a:close/>
-                </a:path>
-              </a:pathLst>
-            </a:custGeom>
-            <a:solidFill>
-              <a:schemeClr val="accent1">
-                <a:alpha val="20000"/>
-              </a:schemeClr>
-            </a:solidFill>
-            <a:ln>
-              <a:noFill/>
-            </a:ln>
-            <a:effectLst/>
-          </p:spPr>
-          <p:style>
-            <a:lnRef idx="1">
-              <a:schemeClr val="accent1"/>
-            </a:lnRef>
-            <a:fillRef idx="3">
-              <a:schemeClr val="accent1"/>
-            </a:fillRef>
-            <a:effectRef idx="2">
-              <a:schemeClr val="accent1"/>
-            </a:effectRef>
-            <a:fontRef idx="minor">
-              <a:schemeClr val="lt1"/>
-            </a:fontRef>
-          </p:style>
-        </p:sp>
-        <p:sp>
-          <p:nvSpPr>
-            <p:cNvPr id="49" name="Isosceles Triangle 48">
-              <a:extLst>
-                <a:ext uri="{FF2B5EF4-FFF2-40B4-BE49-F238E27FC236}">
-                  <a16:creationId xmlns:a16="http://schemas.microsoft.com/office/drawing/2014/main" id="{8DDFC9F4-3B45-402D-8AD7-60B3F08ED755}"/>
-                </a:ext>
-                <a:ext uri="{C183D7F6-B498-43B3-948B-1728B52AA6E4}">
-                  <adec:decorative xmlns:adec="http://schemas.microsoft.com/office/drawing/2017/decorative" val="1"/>
-                </a:ext>
-              </a:extLst>
-            </p:cNvPr>
-            <p:cNvSpPr/>
-            <p:nvPr>
-              <p:extLst>
-                <p:ext uri="{386F3935-93C4-4BCD-93E2-E3B085C9AB24}">
-                  <p16:designElem xmlns:p16="http://schemas.microsoft.com/office/powerpoint/2015/main" val="1"/>
-                </p:ext>
-              </p:extLst>
-            </p:nvPr>
-          </p:nvSpPr>
-          <p:spPr>
-            <a:xfrm>
-              <a:off x="8932333" y="3048000"/>
-              <a:ext cx="3259667" cy="3810000"/>
-            </a:xfrm>
-            <a:prstGeom prst="triangle">
-              <a:avLst>
-                <a:gd name="adj" fmla="val 100000"/>
-              </a:avLst>
-            </a:prstGeom>
-            <a:solidFill>
-              <a:schemeClr val="accent2">
-                <a:alpha val="72000"/>
-              </a:schemeClr>
-            </a:solidFill>
-            <a:ln>
-              <a:noFill/>
-            </a:ln>
-            <a:effectLst/>
-          </p:spPr>
-          <p:style>
-            <a:lnRef idx="1">
-              <a:schemeClr val="accent1"/>
-            </a:lnRef>
-            <a:fillRef idx="3">
-              <a:schemeClr val="accent1"/>
-            </a:fillRef>
-            <a:effectRef idx="2">
-              <a:schemeClr val="accent1"/>
-            </a:effectRef>
-            <a:fontRef idx="minor">
-              <a:schemeClr val="lt1"/>
-            </a:fontRef>
-          </p:style>
-        </p:sp>
-        <p:sp>
-          <p:nvSpPr>
-            <p:cNvPr id="50" name="Rectangle 27">
-              <a:extLst>
-                <a:ext uri="{FF2B5EF4-FFF2-40B4-BE49-F238E27FC236}">
-                  <a16:creationId xmlns:a16="http://schemas.microsoft.com/office/drawing/2014/main" id="{F26A0854-FBE4-4587-B349-06BE192BD7F6}"/>
-                </a:ext>
-                <a:ext uri="{C183D7F6-B498-43B3-948B-1728B52AA6E4}">
-                  <adec:decorative xmlns:adec="http://schemas.microsoft.com/office/drawing/2017/decorative" val="1"/>
-                </a:ext>
-              </a:extLst>
-            </p:cNvPr>
-            <p:cNvSpPr/>
-            <p:nvPr>
-              <p:extLst>
-                <p:ext uri="{386F3935-93C4-4BCD-93E2-E3B085C9AB24}">
-                  <p16:designElem xmlns:p16="http://schemas.microsoft.com/office/powerpoint/2015/main" val="1"/>
-                </p:ext>
-              </p:extLst>
-            </p:nvPr>
-          </p:nvSpPr>
-          <p:spPr>
-            <a:xfrm>
-              <a:off x="9334500" y="-8467"/>
-              <a:ext cx="2854326" cy="6866467"/>
-            </a:xfrm>
-            <a:custGeom>
-              <a:avLst/>
-              <a:gdLst/>
-              <a:ahLst/>
-              <a:cxnLst/>
-              <a:rect l="l" t="t" r="r" b="b"/>
-              <a:pathLst>
-                <a:path w="2858013" h="6866467">
-                  <a:moveTo>
-                    <a:pt x="0" y="0"/>
-                  </a:moveTo>
-                  <a:lnTo>
-                    <a:pt x="2858013" y="0"/>
-                  </a:lnTo>
-                  <a:lnTo>
-                    <a:pt x="2858013" y="6866467"/>
-                  </a:lnTo>
-                  <a:lnTo>
-                    <a:pt x="2473942" y="6866467"/>
-                  </a:lnTo>
-                  <a:lnTo>
-                    <a:pt x="0" y="0"/>
-                  </a:lnTo>
-                  <a:close/>
-                </a:path>
-              </a:pathLst>
-            </a:custGeom>
-            <a:solidFill>
-              <a:schemeClr val="accent2">
-                <a:lumMod val="75000"/>
-                <a:alpha val="70000"/>
-              </a:schemeClr>
-            </a:solidFill>
-            <a:ln>
-              <a:noFill/>
-            </a:ln>
-            <a:effectLst/>
-          </p:spPr>
-          <p:style>
-            <a:lnRef idx="1">
-              <a:schemeClr val="accent1"/>
-            </a:lnRef>
-            <a:fillRef idx="3">
-              <a:schemeClr val="accent1"/>
-            </a:fillRef>
-            <a:effectRef idx="2">
-              <a:schemeClr val="accent1"/>
-            </a:effectRef>
-            <a:fontRef idx="minor">
-              <a:schemeClr val="lt1"/>
-            </a:fontRef>
-          </p:style>
-        </p:sp>
-        <p:sp>
-          <p:nvSpPr>
-            <p:cNvPr id="51" name="Rectangle 28">
-              <a:extLst>
-                <a:ext uri="{FF2B5EF4-FFF2-40B4-BE49-F238E27FC236}">
-                  <a16:creationId xmlns:a16="http://schemas.microsoft.com/office/drawing/2014/main" id="{54A9C4C6-FF7D-470E-BFCA-CE4F60A1F0A8}"/>
-                </a:ext>
-                <a:ext uri="{C183D7F6-B498-43B3-948B-1728B52AA6E4}">
-                  <adec:decorative xmlns:adec="http://schemas.microsoft.com/office/drawing/2017/decorative" val="1"/>
-                </a:ext>
-              </a:extLst>
-            </p:cNvPr>
-            <p:cNvSpPr/>
-            <p:nvPr>
-              <p:extLst>
-                <p:ext uri="{386F3935-93C4-4BCD-93E2-E3B085C9AB24}">
-                  <p16:designElem xmlns:p16="http://schemas.microsoft.com/office/powerpoint/2015/main" val="1"/>
-                </p:ext>
-              </p:extLst>
-            </p:nvPr>
-          </p:nvSpPr>
-          <p:spPr>
-            <a:xfrm>
-              <a:off x="10898730" y="-8467"/>
-              <a:ext cx="1290094" cy="6866467"/>
-            </a:xfrm>
-            <a:custGeom>
-              <a:avLst/>
-              <a:gdLst/>
-              <a:ahLst/>
-              <a:cxnLst/>
-              <a:rect l="l" t="t" r="r" b="b"/>
-              <a:pathLst>
-                <a:path w="1290094" h="6858000">
-                  <a:moveTo>
-                    <a:pt x="1019735" y="0"/>
-                  </a:moveTo>
-                  <a:lnTo>
-                    <a:pt x="1290094" y="0"/>
-                  </a:lnTo>
-                  <a:lnTo>
-                    <a:pt x="1290094" y="6858000"/>
-                  </a:lnTo>
-                  <a:lnTo>
-                    <a:pt x="0" y="6858000"/>
-                  </a:lnTo>
-                  <a:lnTo>
-                    <a:pt x="1019735" y="0"/>
-                  </a:lnTo>
-                  <a:close/>
-                </a:path>
-              </a:pathLst>
-            </a:custGeom>
-            <a:solidFill>
-              <a:schemeClr val="accent1">
-                <a:lumMod val="60000"/>
-                <a:lumOff val="40000"/>
-                <a:alpha val="70000"/>
-              </a:schemeClr>
-            </a:solidFill>
-            <a:ln>
-              <a:noFill/>
-            </a:ln>
-            <a:effectLst/>
-          </p:spPr>
-          <p:style>
-            <a:lnRef idx="1">
-              <a:schemeClr val="accent1"/>
-            </a:lnRef>
-            <a:fillRef idx="3">
-              <a:schemeClr val="accent1"/>
-            </a:fillRef>
-            <a:effectRef idx="2">
-              <a:schemeClr val="accent1"/>
-            </a:effectRef>
-            <a:fontRef idx="minor">
-              <a:schemeClr val="lt1"/>
-            </a:fontRef>
-          </p:style>
-        </p:sp>
-        <p:sp>
-          <p:nvSpPr>
-            <p:cNvPr id="52" name="Rectangle 29">
-              <a:extLst>
-                <a:ext uri="{FF2B5EF4-FFF2-40B4-BE49-F238E27FC236}">
-                  <a16:creationId xmlns:a16="http://schemas.microsoft.com/office/drawing/2014/main" id="{B1721EA8-4871-45D4-B78F-AE805A3004B1}"/>
-                </a:ext>
-                <a:ext uri="{C183D7F6-B498-43B3-948B-1728B52AA6E4}">
-                  <adec:decorative xmlns:adec="http://schemas.microsoft.com/office/drawing/2017/decorative" val="1"/>
-                </a:ext>
-              </a:extLst>
-            </p:cNvPr>
-            <p:cNvSpPr/>
-            <p:nvPr>
-              <p:extLst>
-                <p:ext uri="{386F3935-93C4-4BCD-93E2-E3B085C9AB24}">
-                  <p16:designElem xmlns:p16="http://schemas.microsoft.com/office/powerpoint/2015/main" val="1"/>
-                </p:ext>
-              </p:extLst>
-            </p:nvPr>
-          </p:nvSpPr>
-          <p:spPr>
-            <a:xfrm>
-              <a:off x="10938999" y="-8467"/>
-              <a:ext cx="1249825" cy="6866467"/>
-            </a:xfrm>
-            <a:custGeom>
-              <a:avLst/>
-              <a:gdLst/>
-              <a:ahLst/>
-              <a:cxnLst/>
-              <a:rect l="l" t="t" r="r" b="b"/>
-              <a:pathLst>
-                <a:path w="1249825" h="6858000">
-                  <a:moveTo>
-                    <a:pt x="0" y="0"/>
-                  </a:moveTo>
-                  <a:lnTo>
-                    <a:pt x="1249825" y="0"/>
-                  </a:lnTo>
-                  <a:lnTo>
-                    <a:pt x="1249825" y="6858000"/>
-                  </a:lnTo>
-                  <a:lnTo>
-                    <a:pt x="1109382" y="6858000"/>
-                  </a:lnTo>
-                  <a:lnTo>
-                    <a:pt x="0" y="0"/>
-                  </a:lnTo>
-                  <a:close/>
-                </a:path>
-              </a:pathLst>
-            </a:custGeom>
-            <a:solidFill>
-              <a:schemeClr val="accent1">
-                <a:alpha val="65000"/>
-              </a:schemeClr>
-            </a:solidFill>
-            <a:ln>
-              <a:noFill/>
-            </a:ln>
-            <a:effectLst/>
-          </p:spPr>
-          <p:style>
-            <a:lnRef idx="1">
-              <a:schemeClr val="accent1"/>
-            </a:lnRef>
-            <a:fillRef idx="3">
-              <a:schemeClr val="accent1"/>
-            </a:fillRef>
-            <a:effectRef idx="2">
-              <a:schemeClr val="accent1"/>
-            </a:effectRef>
-            <a:fontRef idx="minor">
-              <a:schemeClr val="lt1"/>
-            </a:fontRef>
-          </p:style>
-        </p:sp>
-        <p:sp>
-          <p:nvSpPr>
-            <p:cNvPr id="53" name="Isosceles Triangle 52">
-              <a:extLst>
-                <a:ext uri="{FF2B5EF4-FFF2-40B4-BE49-F238E27FC236}">
-                  <a16:creationId xmlns:a16="http://schemas.microsoft.com/office/drawing/2014/main" id="{E5763971-E3A3-45C6-9BA8-2E032C7A55EB}"/>
-                </a:ext>
-                <a:ext uri="{C183D7F6-B498-43B3-948B-1728B52AA6E4}">
-                  <adec:decorative xmlns:adec="http://schemas.microsoft.com/office/drawing/2017/decorative" val="1"/>
-                </a:ext>
-              </a:extLst>
-            </p:cNvPr>
-            <p:cNvSpPr/>
-            <p:nvPr>
-              <p:extLst>
-                <p:ext uri="{386F3935-93C4-4BCD-93E2-E3B085C9AB24}">
-                  <p16:designElem xmlns:p16="http://schemas.microsoft.com/office/powerpoint/2015/main" val="1"/>
-                </p:ext>
-              </p:extLst>
-            </p:nvPr>
-          </p:nvSpPr>
-          <p:spPr>
-            <a:xfrm>
-              <a:off x="10371666" y="3589867"/>
-              <a:ext cx="1817159" cy="3268133"/>
-            </a:xfrm>
-            <a:prstGeom prst="triangle">
-              <a:avLst>
-                <a:gd name="adj" fmla="val 100000"/>
-              </a:avLst>
-            </a:prstGeom>
-            <a:solidFill>
-              <a:schemeClr val="accent1">
-                <a:alpha val="80000"/>
-              </a:schemeClr>
-            </a:solidFill>
-            <a:ln>
-              <a:noFill/>
-            </a:ln>
-            <a:effectLst/>
-          </p:spPr>
-          <p:style>
-            <a:lnRef idx="1">
-              <a:schemeClr val="accent1"/>
-            </a:lnRef>
-            <a:fillRef idx="3">
-              <a:schemeClr val="accent1"/>
-            </a:fillRef>
-            <a:effectRef idx="2">
-              <a:schemeClr val="accent1"/>
-            </a:effectRef>
-            <a:fontRef idx="minor">
-              <a:schemeClr val="lt1"/>
-            </a:fontRef>
-          </p:style>
-        </p:sp>
-        <p:sp>
-          <p:nvSpPr>
-            <p:cNvPr id="54" name="Isosceles Triangle 53">
-              <a:extLst>
-                <a:ext uri="{FF2B5EF4-FFF2-40B4-BE49-F238E27FC236}">
-                  <a16:creationId xmlns:a16="http://schemas.microsoft.com/office/drawing/2014/main" id="{32752E94-0E01-4AF5-A43A-F2FAD8737C29}"/>
-                </a:ext>
-                <a:ext uri="{C183D7F6-B498-43B3-948B-1728B52AA6E4}">
-                  <adec:decorative xmlns:adec="http://schemas.microsoft.com/office/drawing/2017/decorative" val="1"/>
-                </a:ext>
-              </a:extLst>
-            </p:cNvPr>
-            <p:cNvSpPr/>
-            <p:nvPr>
-              <p:extLst>
-                <p:ext uri="{386F3935-93C4-4BCD-93E2-E3B085C9AB24}">
-                  <p16:designElem xmlns:p16="http://schemas.microsoft.com/office/powerpoint/2015/main" val="1"/>
-                </p:ext>
-              </p:extLst>
-            </p:nvPr>
-          </p:nvSpPr>
-          <p:spPr>
-            <a:xfrm rot="10800000">
-              <a:off x="0" y="0"/>
-              <a:ext cx="842596" cy="5666154"/>
-            </a:xfrm>
-            <a:prstGeom prst="triangle">
-              <a:avLst>
-                <a:gd name="adj" fmla="val 100000"/>
-              </a:avLst>
-            </a:prstGeom>
-            <a:solidFill>
-              <a:schemeClr val="accent1">
-                <a:alpha val="85000"/>
-              </a:schemeClr>
-            </a:solidFill>
-            <a:ln>
-              <a:noFill/>
-            </a:ln>
-            <a:effectLst/>
-          </p:spPr>
-          <p:style>
-            <a:lnRef idx="1">
-              <a:schemeClr val="accent1"/>
-            </a:lnRef>
-            <a:fillRef idx="3">
-              <a:schemeClr val="accent1"/>
-            </a:fillRef>
-            <a:effectRef idx="2">
-              <a:schemeClr val="accent1"/>
-            </a:effectRef>
-            <a:fontRef idx="minor">
-              <a:schemeClr val="lt1"/>
-            </a:fontRef>
-          </p:style>
-        </p:sp>
-      </p:grpSp>
-      <p:pic>
-        <p:nvPicPr>
-          <p:cNvPr id="20" name="Content Placeholder 4" descr="A picture containing brick, clock, table&#10;&#10;Description automatically generated">
-            <a:extLst>
-              <a:ext uri="{FF2B5EF4-FFF2-40B4-BE49-F238E27FC236}">
-                <a16:creationId xmlns:a16="http://schemas.microsoft.com/office/drawing/2014/main" id="{5873F92E-17C0-4CE3-B8CD-F80F31BEE618}"/>
-              </a:ext>
-            </a:extLst>
-          </p:cNvPr>
-          <p:cNvPicPr>
-            <a:picLocks noChangeAspect="1"/>
-          </p:cNvPicPr>
-          <p:nvPr/>
-        </p:nvPicPr>
-        <p:blipFill rotWithShape="1">
-          <a:blip r:embed="rId2">
-            <a:duotone>
-              <a:schemeClr val="accent1">
-                <a:shade val="45000"/>
-                <a:satMod val="135000"/>
-              </a:schemeClr>
-              <a:prstClr val="white"/>
-            </a:duotone>
-          </a:blip>
-          <a:srcRect l="9091" t="28861" b="26778"/>
-          <a:stretch/>
-        </p:blipFill>
-        <p:spPr>
-          <a:xfrm>
-            <a:off x="1" y="10"/>
-            <a:ext cx="12191999" cy="6857990"/>
-          </a:xfrm>
-          <a:prstGeom prst="rect">
-            <a:avLst/>
-          </a:prstGeom>
-        </p:spPr>
-      </p:pic>
-      <p:sp>
-        <p:nvSpPr>
-          <p:cNvPr id="56" name="Isosceles Triangle 55">
-            <a:extLst>
-              <a:ext uri="{FF2B5EF4-FFF2-40B4-BE49-F238E27FC236}">
-                <a16:creationId xmlns:a16="http://schemas.microsoft.com/office/drawing/2014/main" id="{F5F0CD5C-72F3-4090-8A69-8E15CB432AC2}"/>
-              </a:ext>
-              <a:ext uri="{C183D7F6-B498-43B3-948B-1728B52AA6E4}">
-                <adec:decorative xmlns:adec="http://schemas.microsoft.com/office/drawing/2017/decorative" val="1"/>
-              </a:ext>
-            </a:extLst>
-          </p:cNvPr>
-          <p:cNvSpPr>
-            <a:spLocks noGrp="1" noRot="1" noChangeAspect="1" noMove="1" noResize="1" noEditPoints="1" noAdjustHandles="1" noChangeArrowheads="1" noChangeShapeType="1" noTextEdit="1"/>
-          </p:cNvSpPr>
-          <p:nvPr>
-            <p:extLst>
-              <p:ext uri="{386F3935-93C4-4BCD-93E2-E3B085C9AB24}">
-                <p16:designElem xmlns:p16="http://schemas.microsoft.com/office/powerpoint/2015/main" val="1"/>
-              </p:ext>
-            </p:extLst>
-          </p:nvPr>
-        </p:nvSpPr>
-        <p:spPr>
-          <a:xfrm rot="10800000">
-            <a:off x="0" y="0"/>
-            <a:ext cx="842596" cy="5666154"/>
-          </a:xfrm>
-          <a:prstGeom prst="triangle">
-            <a:avLst>
-              <a:gd name="adj" fmla="val 100000"/>
-            </a:avLst>
-          </a:prstGeom>
-          <a:solidFill>
-            <a:schemeClr val="accent1">
-              <a:alpha val="85000"/>
-            </a:schemeClr>
-          </a:solidFill>
-          <a:ln>
-            <a:noFill/>
-          </a:ln>
-          <a:effectLst/>
-        </p:spPr>
-        <p:style>
-          <a:lnRef idx="1">
-            <a:schemeClr val="accent1"/>
-          </a:lnRef>
-          <a:fillRef idx="3">
-            <a:schemeClr val="accent1"/>
-          </a:fillRef>
-          <a:effectRef idx="2">
-            <a:schemeClr val="accent1"/>
-          </a:effectRef>
-          <a:fontRef idx="minor">
-            <a:schemeClr val="lt1"/>
-          </a:fontRef>
-        </p:style>
-      </p:sp>
-      <p:sp>
-        <p:nvSpPr>
-          <p:cNvPr id="58" name="Parallelogram 57">
-            <a:extLst>
-              <a:ext uri="{FF2B5EF4-FFF2-40B4-BE49-F238E27FC236}">
-                <a16:creationId xmlns:a16="http://schemas.microsoft.com/office/drawing/2014/main" id="{217496A2-9394-4FB7-BA0E-717D2D2E7A43}"/>
-              </a:ext>
-              <a:ext uri="{C183D7F6-B498-43B3-948B-1728B52AA6E4}">
-                <adec:decorative xmlns:adec="http://schemas.microsoft.com/office/drawing/2017/decorative" val="1"/>
-              </a:ext>
-            </a:extLst>
-          </p:cNvPr>
-          <p:cNvSpPr>
-            <a:spLocks noGrp="1" noRot="1" noChangeAspect="1" noMove="1" noResize="1" noEditPoints="1" noAdjustHandles="1" noChangeArrowheads="1" noChangeShapeType="1" noTextEdit="1"/>
-          </p:cNvSpPr>
-          <p:nvPr>
-            <p:extLst>
-              <p:ext uri="{386F3935-93C4-4BCD-93E2-E3B085C9AB24}">
-                <p16:designElem xmlns:p16="http://schemas.microsoft.com/office/powerpoint/2015/main" val="1"/>
-              </p:ext>
-            </p:extLst>
-          </p:nvPr>
-        </p:nvSpPr>
-        <p:spPr>
-          <a:xfrm>
-            <a:off x="3733800" y="0"/>
-            <a:ext cx="7315200" cy="6858000"/>
-          </a:xfrm>
-          <a:prstGeom prst="parallelogram">
-            <a:avLst>
-              <a:gd name="adj" fmla="val 15925"/>
-            </a:avLst>
-          </a:prstGeom>
-          <a:solidFill>
-            <a:schemeClr val="bg1">
-              <a:alpha val="87000"/>
-            </a:schemeClr>
-          </a:solidFill>
-          <a:ln>
-            <a:noFill/>
-          </a:ln>
-          <a:effectLst/>
-        </p:spPr>
-        <p:style>
-          <a:lnRef idx="1">
-            <a:schemeClr val="accent1"/>
-          </a:lnRef>
-          <a:fillRef idx="3">
-            <a:schemeClr val="accent1"/>
-          </a:fillRef>
-          <a:effectRef idx="2">
-            <a:schemeClr val="accent1"/>
-          </a:effectRef>
-          <a:fontRef idx="minor">
-            <a:schemeClr val="lt1"/>
-          </a:fontRef>
-        </p:style>
-        <p:txBody>
-          <a:bodyPr rtlCol="0" anchor="ctr"/>
-          <a:lstStyle/>
-          <a:p>
-            <a:pPr algn="ctr"/>
-            <a:endParaRPr lang="en-US"/>
-          </a:p>
-        </p:txBody>
-      </p:sp>
-      <p:cxnSp>
-        <p:nvCxnSpPr>
-          <p:cNvPr id="60" name="Straight Connector 59">
-            <a:extLst>
-              <a:ext uri="{FF2B5EF4-FFF2-40B4-BE49-F238E27FC236}">
-                <a16:creationId xmlns:a16="http://schemas.microsoft.com/office/drawing/2014/main" id="{D02CF681-4765-4E88-802F-B2474DCD516A}"/>
-              </a:ext>
-              <a:ext uri="{C183D7F6-B498-43B3-948B-1728B52AA6E4}">
-                <adec:decorative xmlns:adec="http://schemas.microsoft.com/office/drawing/2017/decorative" val="1"/>
-              </a:ext>
-            </a:extLst>
-          </p:cNvPr>
-          <p:cNvCxnSpPr>
-            <a:cxnSpLocks noGrp="1" noRot="1" noChangeAspect="1" noMove="1" noResize="1" noEditPoints="1" noAdjustHandles="1" noChangeArrowheads="1" noChangeShapeType="1"/>
-          </p:cNvCxnSpPr>
-          <p:nvPr>
-            <p:extLst>
-              <p:ext uri="{386F3935-93C4-4BCD-93E2-E3B085C9AB24}">
-                <p16:designElem xmlns:p16="http://schemas.microsoft.com/office/powerpoint/2015/main" val="1"/>
-              </p:ext>
-            </p:extLst>
-          </p:nvPr>
-        </p:nvCxnSpPr>
-        <p:spPr>
-          <a:xfrm>
-            <a:off x="9371012" y="0"/>
-            <a:ext cx="1219200" cy="6858000"/>
-          </a:xfrm>
-          <a:prstGeom prst="line">
-            <a:avLst/>
-          </a:prstGeom>
-          <a:ln w="9525">
-            <a:solidFill>
-              <a:schemeClr val="bg1">
-                <a:lumMod val="75000"/>
-              </a:schemeClr>
-            </a:solidFill>
-          </a:ln>
-        </p:spPr>
-        <p:style>
-          <a:lnRef idx="2">
-            <a:schemeClr val="accent1"/>
-          </a:lnRef>
-          <a:fillRef idx="0">
-            <a:schemeClr val="accent1"/>
-          </a:fillRef>
-          <a:effectRef idx="1">
-            <a:schemeClr val="accent1"/>
-          </a:effectRef>
-          <a:fontRef idx="minor">
-            <a:schemeClr val="tx1"/>
-          </a:fontRef>
-        </p:style>
-      </p:cxnSp>
-      <p:cxnSp>
-        <p:nvCxnSpPr>
-          <p:cNvPr id="62" name="Straight Connector 61">
-            <a:extLst>
-              <a:ext uri="{FF2B5EF4-FFF2-40B4-BE49-F238E27FC236}">
-                <a16:creationId xmlns:a16="http://schemas.microsoft.com/office/drawing/2014/main" id="{3D57B2BA-243C-45C7-A5D8-46CA719437FC}"/>
-              </a:ext>
-              <a:ext uri="{C183D7F6-B498-43B3-948B-1728B52AA6E4}">
-                <adec:decorative xmlns:adec="http://schemas.microsoft.com/office/drawing/2017/decorative" val="1"/>
-              </a:ext>
-            </a:extLst>
-          </p:cNvPr>
-          <p:cNvCxnSpPr>
-            <a:cxnSpLocks noGrp="1" noRot="1" noChangeAspect="1" noMove="1" noResize="1" noEditPoints="1" noAdjustHandles="1" noChangeArrowheads="1" noChangeShapeType="1"/>
-          </p:cNvCxnSpPr>
-          <p:nvPr>
-            <p:extLst>
-              <p:ext uri="{386F3935-93C4-4BCD-93E2-E3B085C9AB24}">
-                <p16:designElem xmlns:p16="http://schemas.microsoft.com/office/powerpoint/2015/main" val="1"/>
-              </p:ext>
-            </p:extLst>
-          </p:nvPr>
-        </p:nvCxnSpPr>
-        <p:spPr>
-          <a:xfrm flipH="1">
-            <a:off x="7425267" y="3681413"/>
-            <a:ext cx="4763558" cy="3176587"/>
-          </a:xfrm>
-          <a:prstGeom prst="line">
-            <a:avLst/>
-          </a:prstGeom>
-          <a:ln w="9525">
-            <a:solidFill>
-              <a:schemeClr val="bg1">
-                <a:lumMod val="85000"/>
-              </a:schemeClr>
-            </a:solidFill>
-          </a:ln>
-        </p:spPr>
-        <p:style>
-          <a:lnRef idx="2">
-            <a:schemeClr val="accent1"/>
-          </a:lnRef>
-          <a:fillRef idx="0">
-            <a:schemeClr val="accent1"/>
-          </a:fillRef>
-          <a:effectRef idx="1">
-            <a:schemeClr val="accent1"/>
-          </a:effectRef>
-          <a:fontRef idx="minor">
-            <a:schemeClr val="tx1"/>
-          </a:fontRef>
-        </p:style>
-      </p:cxnSp>
-      <p:sp>
-        <p:nvSpPr>
-          <p:cNvPr id="64" name="Rectangle 23">
-            <a:extLst>
-              <a:ext uri="{FF2B5EF4-FFF2-40B4-BE49-F238E27FC236}">
-                <a16:creationId xmlns:a16="http://schemas.microsoft.com/office/drawing/2014/main" id="{67374FB5-CBB7-46FF-95B5-2251BC6856ED}"/>
-              </a:ext>
-              <a:ext uri="{C183D7F6-B498-43B3-948B-1728B52AA6E4}">
-                <adec:decorative xmlns:adec="http://schemas.microsoft.com/office/drawing/2017/decorative" val="1"/>
-              </a:ext>
-            </a:extLst>
-          </p:cNvPr>
-          <p:cNvSpPr>
-            <a:spLocks noGrp="1" noRot="1" noChangeAspect="1" noMove="1" noResize="1" noEditPoints="1" noAdjustHandles="1" noChangeArrowheads="1" noChangeShapeType="1" noTextEdit="1"/>
-          </p:cNvSpPr>
-          <p:nvPr>
-            <p:extLst>
-              <p:ext uri="{386F3935-93C4-4BCD-93E2-E3B085C9AB24}">
-                <p16:designElem xmlns:p16="http://schemas.microsoft.com/office/powerpoint/2015/main" val="1"/>
-              </p:ext>
-            </p:extLst>
-          </p:nvPr>
-        </p:nvSpPr>
-        <p:spPr>
-          <a:xfrm>
-            <a:off x="9181476" y="-8467"/>
-            <a:ext cx="3007349" cy="6866467"/>
-          </a:xfrm>
-          <a:custGeom>
-            <a:avLst/>
-            <a:gdLst/>
-            <a:ahLst/>
-            <a:cxnLst/>
-            <a:rect l="l" t="t" r="r" b="b"/>
-            <a:pathLst>
-              <a:path w="3007349" h="6866467">
-                <a:moveTo>
-                  <a:pt x="2045532" y="0"/>
-                </a:moveTo>
-                <a:lnTo>
-                  <a:pt x="3007349" y="0"/>
-                </a:lnTo>
-                <a:lnTo>
-                  <a:pt x="3007349" y="6866467"/>
-                </a:lnTo>
-                <a:lnTo>
-                  <a:pt x="0" y="6866467"/>
-                </a:lnTo>
-                <a:lnTo>
-                  <a:pt x="2045532" y="0"/>
-                </a:lnTo>
-                <a:close/>
-              </a:path>
-            </a:pathLst>
-          </a:custGeom>
-          <a:solidFill>
-            <a:schemeClr val="accent1">
-              <a:alpha val="30000"/>
-            </a:schemeClr>
-          </a:solidFill>
-          <a:ln>
-            <a:noFill/>
-          </a:ln>
-          <a:effectLst/>
-        </p:spPr>
-        <p:style>
-          <a:lnRef idx="1">
-            <a:schemeClr val="accent1"/>
-          </a:lnRef>
-          <a:fillRef idx="3">
-            <a:schemeClr val="accent1"/>
-          </a:fillRef>
-          <a:effectRef idx="2">
-            <a:schemeClr val="accent1"/>
-          </a:effectRef>
-          <a:fontRef idx="minor">
-            <a:schemeClr val="lt1"/>
-          </a:fontRef>
-        </p:style>
-      </p:sp>
-      <p:sp>
-        <p:nvSpPr>
-          <p:cNvPr id="66" name="Rectangle 25">
-            <a:extLst>
-              <a:ext uri="{FF2B5EF4-FFF2-40B4-BE49-F238E27FC236}">
-                <a16:creationId xmlns:a16="http://schemas.microsoft.com/office/drawing/2014/main" id="{34BCEAB7-D9E0-40A4-9254-8593BD346EAB}"/>
-              </a:ext>
-              <a:ext uri="{C183D7F6-B498-43B3-948B-1728B52AA6E4}">
-                <adec:decorative xmlns:adec="http://schemas.microsoft.com/office/drawing/2017/decorative" val="1"/>
-              </a:ext>
-            </a:extLst>
-          </p:cNvPr>
-          <p:cNvSpPr>
-            <a:spLocks noGrp="1" noRot="1" noChangeAspect="1" noMove="1" noResize="1" noEditPoints="1" noAdjustHandles="1" noChangeArrowheads="1" noChangeShapeType="1" noTextEdit="1"/>
-          </p:cNvSpPr>
-          <p:nvPr>
-            <p:extLst>
-              <p:ext uri="{386F3935-93C4-4BCD-93E2-E3B085C9AB24}">
-                <p16:designElem xmlns:p16="http://schemas.microsoft.com/office/powerpoint/2015/main" val="1"/>
-              </p:ext>
-            </p:extLst>
-          </p:nvPr>
-        </p:nvSpPr>
-        <p:spPr>
-          <a:xfrm>
-            <a:off x="9603442" y="-8467"/>
-            <a:ext cx="2588558" cy="6866467"/>
-          </a:xfrm>
-          <a:custGeom>
-            <a:avLst/>
-            <a:gdLst/>
-            <a:ahLst/>
-            <a:cxnLst/>
-            <a:rect l="l" t="t" r="r" b="b"/>
-            <a:pathLst>
-              <a:path w="2573311" h="6866467">
-                <a:moveTo>
-                  <a:pt x="0" y="0"/>
-                </a:moveTo>
-                <a:lnTo>
-                  <a:pt x="2573311" y="0"/>
-                </a:lnTo>
-                <a:lnTo>
-                  <a:pt x="2573311" y="6866467"/>
-                </a:lnTo>
-                <a:lnTo>
-                  <a:pt x="1202336" y="6866467"/>
-                </a:lnTo>
-                <a:lnTo>
-                  <a:pt x="0" y="0"/>
-                </a:lnTo>
-                <a:close/>
-              </a:path>
-            </a:pathLst>
-          </a:custGeom>
-          <a:solidFill>
-            <a:schemeClr val="accent1">
-              <a:alpha val="20000"/>
-            </a:schemeClr>
-          </a:solidFill>
-          <a:ln>
-            <a:noFill/>
-          </a:ln>
-          <a:effectLst/>
-        </p:spPr>
-        <p:style>
-          <a:lnRef idx="1">
-            <a:schemeClr val="accent1"/>
-          </a:lnRef>
-          <a:fillRef idx="3">
-            <a:schemeClr val="accent1"/>
-          </a:fillRef>
-          <a:effectRef idx="2">
-            <a:schemeClr val="accent1"/>
-          </a:effectRef>
-          <a:fontRef idx="minor">
-            <a:schemeClr val="lt1"/>
-          </a:fontRef>
-        </p:style>
-      </p:sp>
-      <p:sp>
-        <p:nvSpPr>
-          <p:cNvPr id="68" name="Isosceles Triangle 67">
-            <a:extLst>
-              <a:ext uri="{FF2B5EF4-FFF2-40B4-BE49-F238E27FC236}">
-                <a16:creationId xmlns:a16="http://schemas.microsoft.com/office/drawing/2014/main" id="{D567A354-BB63-405C-8E5F-2F510E670F16}"/>
-              </a:ext>
-              <a:ext uri="{C183D7F6-B498-43B3-948B-1728B52AA6E4}">
-                <adec:decorative xmlns:adec="http://schemas.microsoft.com/office/drawing/2017/decorative" val="1"/>
-              </a:ext>
-            </a:extLst>
-          </p:cNvPr>
-          <p:cNvSpPr>
-            <a:spLocks noGrp="1" noRot="1" noChangeAspect="1" noMove="1" noResize="1" noEditPoints="1" noAdjustHandles="1" noChangeArrowheads="1" noChangeShapeType="1" noTextEdit="1"/>
-          </p:cNvSpPr>
-          <p:nvPr>
-            <p:extLst>
-              <p:ext uri="{386F3935-93C4-4BCD-93E2-E3B085C9AB24}">
-                <p16:designElem xmlns:p16="http://schemas.microsoft.com/office/powerpoint/2015/main" val="1"/>
-              </p:ext>
-            </p:extLst>
-          </p:nvPr>
-        </p:nvSpPr>
-        <p:spPr>
-          <a:xfrm>
-            <a:off x="8932333" y="3048000"/>
-            <a:ext cx="3259667" cy="3810000"/>
-          </a:xfrm>
-          <a:prstGeom prst="triangle">
-            <a:avLst>
-              <a:gd name="adj" fmla="val 100000"/>
-            </a:avLst>
-          </a:prstGeom>
-          <a:solidFill>
-            <a:schemeClr val="accent2">
-              <a:alpha val="72000"/>
-            </a:schemeClr>
-          </a:solidFill>
-          <a:ln>
-            <a:noFill/>
-          </a:ln>
-          <a:effectLst/>
-        </p:spPr>
-        <p:style>
-          <a:lnRef idx="1">
-            <a:schemeClr val="accent1"/>
-          </a:lnRef>
-          <a:fillRef idx="3">
-            <a:schemeClr val="accent1"/>
-          </a:fillRef>
-          <a:effectRef idx="2">
-            <a:schemeClr val="accent1"/>
-          </a:effectRef>
-          <a:fontRef idx="minor">
-            <a:schemeClr val="lt1"/>
-          </a:fontRef>
-        </p:style>
-      </p:sp>
-      <p:sp>
-        <p:nvSpPr>
-          <p:cNvPr id="2" name="Title 1">
-            <a:extLst>
-              <a:ext uri="{FF2B5EF4-FFF2-40B4-BE49-F238E27FC236}">
-                <a16:creationId xmlns:a16="http://schemas.microsoft.com/office/drawing/2014/main" id="{A52C5AA9-999C-BF4F-A765-251C68A75C41}"/>
-              </a:ext>
-            </a:extLst>
-          </p:cNvPr>
-          <p:cNvSpPr>
-            <a:spLocks noGrp="1"/>
-          </p:cNvSpPr>
-          <p:nvPr>
-            <p:ph type="title"/>
-          </p:nvPr>
-        </p:nvSpPr>
-        <p:spPr>
-          <a:xfrm>
-            <a:off x="4791450" y="1678665"/>
-            <a:ext cx="4482553" cy="2369131"/>
-          </a:xfrm>
-        </p:spPr>
-        <p:txBody>
-          <a:bodyPr vert="horz" lIns="91440" tIns="45720" rIns="91440" bIns="45720" rtlCol="0" anchor="b">
-            <a:normAutofit/>
-          </a:bodyPr>
-          <a:lstStyle/>
-          <a:p>
-            <a:pPr algn="r"/>
-            <a:r>
-              <a:rPr lang="en-US" sz="5400"/>
-              <a:t>Reflection</a:t>
-            </a:r>
-          </a:p>
-        </p:txBody>
-      </p:sp>
-      <p:sp>
-        <p:nvSpPr>
-          <p:cNvPr id="70" name="Rectangle 27">
-            <a:extLst>
-              <a:ext uri="{FF2B5EF4-FFF2-40B4-BE49-F238E27FC236}">
-                <a16:creationId xmlns:a16="http://schemas.microsoft.com/office/drawing/2014/main" id="{9185A8D7-2F20-4F7A-97BE-21DB1654C7F7}"/>
-              </a:ext>
-              <a:ext uri="{C183D7F6-B498-43B3-948B-1728B52AA6E4}">
-                <adec:decorative xmlns:adec="http://schemas.microsoft.com/office/drawing/2017/decorative" val="1"/>
-              </a:ext>
-            </a:extLst>
-          </p:cNvPr>
-          <p:cNvSpPr>
-            <a:spLocks noGrp="1" noRot="1" noChangeAspect="1" noMove="1" noResize="1" noEditPoints="1" noAdjustHandles="1" noChangeArrowheads="1" noChangeShapeType="1" noTextEdit="1"/>
-          </p:cNvSpPr>
-          <p:nvPr>
-            <p:extLst>
-              <p:ext uri="{386F3935-93C4-4BCD-93E2-E3B085C9AB24}">
-                <p16:designElem xmlns:p16="http://schemas.microsoft.com/office/powerpoint/2015/main" val="1"/>
-              </p:ext>
-            </p:extLst>
-          </p:nvPr>
-        </p:nvSpPr>
-        <p:spPr>
-          <a:xfrm>
-            <a:off x="9334500" y="-8467"/>
-            <a:ext cx="2854326" cy="6866467"/>
-          </a:xfrm>
-          <a:custGeom>
-            <a:avLst/>
-            <a:gdLst/>
-            <a:ahLst/>
-            <a:cxnLst/>
-            <a:rect l="l" t="t" r="r" b="b"/>
-            <a:pathLst>
-              <a:path w="2858013" h="6866467">
-                <a:moveTo>
-                  <a:pt x="0" y="0"/>
-                </a:moveTo>
-                <a:lnTo>
-                  <a:pt x="2858013" y="0"/>
-                </a:lnTo>
-                <a:lnTo>
-                  <a:pt x="2858013" y="6866467"/>
-                </a:lnTo>
-                <a:lnTo>
-                  <a:pt x="2473942" y="6866467"/>
-                </a:lnTo>
-                <a:lnTo>
-                  <a:pt x="0" y="0"/>
-                </a:lnTo>
-                <a:close/>
-              </a:path>
-            </a:pathLst>
-          </a:custGeom>
-          <a:solidFill>
-            <a:schemeClr val="accent2">
-              <a:lumMod val="75000"/>
-              <a:alpha val="47000"/>
-            </a:schemeClr>
-          </a:solidFill>
-          <a:ln>
-            <a:noFill/>
-          </a:ln>
-          <a:effectLst/>
-        </p:spPr>
-        <p:style>
-          <a:lnRef idx="1">
-            <a:schemeClr val="accent1"/>
-          </a:lnRef>
-          <a:fillRef idx="3">
-            <a:schemeClr val="accent1"/>
-          </a:fillRef>
-          <a:effectRef idx="2">
-            <a:schemeClr val="accent1"/>
-          </a:effectRef>
-          <a:fontRef idx="minor">
-            <a:schemeClr val="lt1"/>
-          </a:fontRef>
-        </p:style>
-      </p:sp>
-      <p:sp>
-        <p:nvSpPr>
-          <p:cNvPr id="72" name="Rectangle 28">
-            <a:extLst>
-              <a:ext uri="{FF2B5EF4-FFF2-40B4-BE49-F238E27FC236}">
-                <a16:creationId xmlns:a16="http://schemas.microsoft.com/office/drawing/2014/main" id="{CB65BD56-22B3-4E13-BFCA-B8E8BEB92D6C}"/>
-              </a:ext>
-              <a:ext uri="{C183D7F6-B498-43B3-948B-1728B52AA6E4}">
-                <adec:decorative xmlns:adec="http://schemas.microsoft.com/office/drawing/2017/decorative" val="1"/>
-              </a:ext>
-            </a:extLst>
-          </p:cNvPr>
-          <p:cNvSpPr>
-            <a:spLocks noGrp="1" noRot="1" noChangeAspect="1" noMove="1" noResize="1" noEditPoints="1" noAdjustHandles="1" noChangeArrowheads="1" noChangeShapeType="1" noTextEdit="1"/>
-          </p:cNvSpPr>
-          <p:nvPr>
-            <p:extLst>
-              <p:ext uri="{386F3935-93C4-4BCD-93E2-E3B085C9AB24}">
-                <p16:designElem xmlns:p16="http://schemas.microsoft.com/office/powerpoint/2015/main" val="1"/>
-              </p:ext>
-            </p:extLst>
-          </p:nvPr>
-        </p:nvSpPr>
-        <p:spPr>
-          <a:xfrm>
-            <a:off x="10898730" y="-8467"/>
-            <a:ext cx="1290094" cy="6866467"/>
-          </a:xfrm>
-          <a:custGeom>
-            <a:avLst/>
-            <a:gdLst/>
-            <a:ahLst/>
-            <a:cxnLst/>
-            <a:rect l="l" t="t" r="r" b="b"/>
-            <a:pathLst>
-              <a:path w="1290094" h="6858000">
-                <a:moveTo>
-                  <a:pt x="1019735" y="0"/>
-                </a:moveTo>
-                <a:lnTo>
-                  <a:pt x="1290094" y="0"/>
-                </a:lnTo>
-                <a:lnTo>
-                  <a:pt x="1290094" y="6858000"/>
-                </a:lnTo>
-                <a:lnTo>
-                  <a:pt x="0" y="6858000"/>
-                </a:lnTo>
-                <a:lnTo>
-                  <a:pt x="1019735" y="0"/>
-                </a:lnTo>
-                <a:close/>
-              </a:path>
-            </a:pathLst>
-          </a:custGeom>
-          <a:solidFill>
-            <a:schemeClr val="accent1">
-              <a:lumMod val="60000"/>
-              <a:lumOff val="40000"/>
-              <a:alpha val="70000"/>
-            </a:schemeClr>
-          </a:solidFill>
-          <a:ln>
-            <a:noFill/>
-          </a:ln>
-          <a:effectLst/>
-        </p:spPr>
-        <p:style>
-          <a:lnRef idx="1">
-            <a:schemeClr val="accent1"/>
-          </a:lnRef>
-          <a:fillRef idx="3">
-            <a:schemeClr val="accent1"/>
-          </a:fillRef>
-          <a:effectRef idx="2">
-            <a:schemeClr val="accent1"/>
-          </a:effectRef>
-          <a:fontRef idx="minor">
-            <a:schemeClr val="lt1"/>
-          </a:fontRef>
-        </p:style>
-      </p:sp>
-      <p:sp>
-        <p:nvSpPr>
-          <p:cNvPr id="74" name="Rectangle 29">
-            <a:extLst>
-              <a:ext uri="{FF2B5EF4-FFF2-40B4-BE49-F238E27FC236}">
-                <a16:creationId xmlns:a16="http://schemas.microsoft.com/office/drawing/2014/main" id="{6790ED68-BCA0-4247-A72F-1CB85DF068C3}"/>
-              </a:ext>
-              <a:ext uri="{C183D7F6-B498-43B3-948B-1728B52AA6E4}">
-                <adec:decorative xmlns:adec="http://schemas.microsoft.com/office/drawing/2017/decorative" val="1"/>
-              </a:ext>
-            </a:extLst>
-          </p:cNvPr>
-          <p:cNvSpPr>
-            <a:spLocks noGrp="1" noRot="1" noChangeAspect="1" noMove="1" noResize="1" noEditPoints="1" noAdjustHandles="1" noChangeArrowheads="1" noChangeShapeType="1" noTextEdit="1"/>
-          </p:cNvSpPr>
-          <p:nvPr>
-            <p:extLst>
-              <p:ext uri="{386F3935-93C4-4BCD-93E2-E3B085C9AB24}">
-                <p16:designElem xmlns:p16="http://schemas.microsoft.com/office/powerpoint/2015/main" val="1"/>
-              </p:ext>
-            </p:extLst>
-          </p:nvPr>
-        </p:nvSpPr>
-        <p:spPr>
-          <a:xfrm>
-            <a:off x="10938999" y="-8467"/>
-            <a:ext cx="1249825" cy="6866467"/>
-          </a:xfrm>
-          <a:custGeom>
-            <a:avLst/>
-            <a:gdLst/>
-            <a:ahLst/>
-            <a:cxnLst/>
-            <a:rect l="l" t="t" r="r" b="b"/>
-            <a:pathLst>
-              <a:path w="1249825" h="6858000">
-                <a:moveTo>
-                  <a:pt x="0" y="0"/>
-                </a:moveTo>
-                <a:lnTo>
-                  <a:pt x="1249825" y="0"/>
-                </a:lnTo>
-                <a:lnTo>
-                  <a:pt x="1249825" y="6858000"/>
-                </a:lnTo>
-                <a:lnTo>
-                  <a:pt x="1109382" y="6858000"/>
-                </a:lnTo>
-                <a:lnTo>
-                  <a:pt x="0" y="0"/>
-                </a:lnTo>
-                <a:close/>
-              </a:path>
-            </a:pathLst>
-          </a:custGeom>
-          <a:solidFill>
-            <a:schemeClr val="accent1">
-              <a:alpha val="65000"/>
-            </a:schemeClr>
-          </a:solidFill>
-          <a:ln>
-            <a:noFill/>
-          </a:ln>
-          <a:effectLst/>
-        </p:spPr>
-        <p:style>
-          <a:lnRef idx="1">
-            <a:schemeClr val="accent1"/>
-          </a:lnRef>
-          <a:fillRef idx="3">
-            <a:schemeClr val="accent1"/>
-          </a:fillRef>
-          <a:effectRef idx="2">
-            <a:schemeClr val="accent1"/>
-          </a:effectRef>
-          <a:fontRef idx="minor">
-            <a:schemeClr val="lt1"/>
-          </a:fontRef>
-        </p:style>
-      </p:sp>
-      <p:sp>
-        <p:nvSpPr>
-          <p:cNvPr id="76" name="Isosceles Triangle 75">
-            <a:extLst>
-              <a:ext uri="{FF2B5EF4-FFF2-40B4-BE49-F238E27FC236}">
-                <a16:creationId xmlns:a16="http://schemas.microsoft.com/office/drawing/2014/main" id="{DD0F2B3F-DC55-4FA7-B667-1ACD07920937}"/>
-              </a:ext>
-              <a:ext uri="{C183D7F6-B498-43B3-948B-1728B52AA6E4}">
-                <adec:decorative xmlns:adec="http://schemas.microsoft.com/office/drawing/2017/decorative" val="1"/>
-              </a:ext>
-            </a:extLst>
-          </p:cNvPr>
-          <p:cNvSpPr>
-            <a:spLocks noGrp="1" noRot="1" noChangeAspect="1" noMove="1" noResize="1" noEditPoints="1" noAdjustHandles="1" noChangeArrowheads="1" noChangeShapeType="1" noTextEdit="1"/>
-          </p:cNvSpPr>
-          <p:nvPr>
-            <p:extLst>
-              <p:ext uri="{386F3935-93C4-4BCD-93E2-E3B085C9AB24}">
-                <p16:designElem xmlns:p16="http://schemas.microsoft.com/office/powerpoint/2015/main" val="1"/>
-              </p:ext>
-            </p:extLst>
-          </p:nvPr>
-        </p:nvSpPr>
-        <p:spPr>
-          <a:xfrm>
-            <a:off x="10371666" y="3589867"/>
-            <a:ext cx="1817159" cy="3268133"/>
-          </a:xfrm>
-          <a:prstGeom prst="triangle">
-            <a:avLst>
-              <a:gd name="adj" fmla="val 100000"/>
-            </a:avLst>
-          </a:prstGeom>
-          <a:solidFill>
-            <a:schemeClr val="accent1">
-              <a:alpha val="80000"/>
-            </a:schemeClr>
-          </a:solidFill>
-          <a:ln>
-            <a:noFill/>
-          </a:ln>
-          <a:effectLst/>
-        </p:spPr>
-        <p:style>
-          <a:lnRef idx="1">
-            <a:schemeClr val="accent1"/>
-          </a:lnRef>
-          <a:fillRef idx="3">
-            <a:schemeClr val="accent1"/>
-          </a:fillRef>
-          <a:effectRef idx="2">
-            <a:schemeClr val="accent1"/>
-          </a:effectRef>
-          <a:fontRef idx="minor">
-            <a:schemeClr val="lt1"/>
-          </a:fontRef>
-        </p:style>
-      </p:sp>
-    </p:spTree>
-    <p:extLst>
-      <p:ext uri="{BB962C8B-B14F-4D97-AF65-F5344CB8AC3E}">
-        <p14:creationId xmlns:p14="http://schemas.microsoft.com/office/powerpoint/2010/main" val="2426038520"/>
-      </p:ext>
-    </p:extLst>
-  </p:cSld>
-  <p:clrMapOvr>
-    <a:masterClrMapping/>
-  </p:clrMapOvr>
-  <mc:AlternateContent xmlns:mc="http://schemas.openxmlformats.org/markup-compatibility/2006">
-    <mc:Choice xmlns:p159="http://schemas.microsoft.com/office/powerpoint/2015/09/main" Requires="p159">
-      <p:transition xmlns:p14="http://schemas.microsoft.com/office/powerpoint/2010/main" spd="slow" p14:dur="2000">
-        <p159:morph option="byObject"/>
-      </p:transition>
-    </mc:Choice>
-    <mc:Fallback>
-      <p:transition spd="slow">
-        <p:fade/>
-      </p:transition>
-    </mc:Fallback>
-  </mc:AlternateContent>
-</p:sld>
-</file>
-
 <file path=ppt/slides/slide2.xml><?xml version="1.0" encoding="utf-8"?>
 <p:sld xmlns:a="http://schemas.openxmlformats.org/drawingml/2006/main" xmlns:r="http://schemas.openxmlformats.org/officeDocument/2006/relationships" xmlns:p="http://schemas.openxmlformats.org/presentationml/2006/main">
   <p:cSld>
@@ -14587,13 +12687,13 @@
   <p:clrMapOvr>
     <a:masterClrMapping/>
   </p:clrMapOvr>
-  <mc:AlternateContent xmlns:mc="http://schemas.openxmlformats.org/markup-compatibility/2006">
-    <mc:Choice xmlns:p159="http://schemas.microsoft.com/office/powerpoint/2015/09/main" Requires="p159">
+  <mc:AlternateContent xmlns:mc="http://schemas.openxmlformats.org/markup-compatibility/2006" xmlns:p159="http://schemas.microsoft.com/office/powerpoint/2015/09/main">
+    <mc:Choice Requires="p159">
       <p:transition xmlns:p14="http://schemas.microsoft.com/office/powerpoint/2010/main" spd="slow" p14:dur="2000">
         <p159:morph option="byObject"/>
       </p:transition>
     </mc:Choice>
-    <mc:Fallback>
+    <mc:Fallback xmlns="">
       <p:transition spd="slow">
         <p:fade/>
       </p:transition>
@@ -14792,13 +12892,13 @@
   <p:clrMapOvr>
     <a:masterClrMapping/>
   </p:clrMapOvr>
-  <mc:AlternateContent xmlns:mc="http://schemas.openxmlformats.org/markup-compatibility/2006">
-    <mc:Choice xmlns:p14="http://schemas.microsoft.com/office/powerpoint/2010/main" Requires="p14">
+  <mc:AlternateContent xmlns:mc="http://schemas.openxmlformats.org/markup-compatibility/2006" xmlns:p14="http://schemas.microsoft.com/office/powerpoint/2010/main">
+    <mc:Choice Requires="p14">
       <p:transition spd="slow" p14:dur="800">
         <p:circle/>
       </p:transition>
     </mc:Choice>
-    <mc:Fallback>
+    <mc:Fallback xmlns="">
       <p:transition spd="slow">
         <p:circle/>
       </p:transition>
@@ -15641,7 +13741,7 @@
           <p:nvPr>
             <p:extLst>
               <p:ext uri="{D42A27DB-BD31-4B8C-83A1-F6EECF244321}">
-                <p14:modId xmlns:p14="http://schemas.microsoft.com/office/powerpoint/2010/main" val="287813313"/>
+                <p14:modId xmlns:p14="http://schemas.microsoft.com/office/powerpoint/2010/main" val="3510672970"/>
               </p:ext>
             </p:extLst>
           </p:nvPr>
@@ -16152,35 +14252,6 @@
       </p:sp>
       <p:pic>
         <p:nvPicPr>
-          <p:cNvPr id="7" name="Content Placeholder 6" descr="A picture containing text&#10;&#10;Description automatically generated">
-            <a:extLst>
-              <a:ext uri="{FF2B5EF4-FFF2-40B4-BE49-F238E27FC236}">
-                <a16:creationId xmlns:a16="http://schemas.microsoft.com/office/drawing/2014/main" id="{911BEAD2-61F3-6640-B6B6-9AD91B4D4C85}"/>
-              </a:ext>
-            </a:extLst>
-          </p:cNvPr>
-          <p:cNvPicPr>
-            <a:picLocks noChangeAspect="1"/>
-          </p:cNvPicPr>
-          <p:nvPr/>
-        </p:nvPicPr>
-        <p:blipFill rotWithShape="1">
-          <a:blip r:embed="rId2"/>
-          <a:srcRect l="-29825" t="-23923" r="-39454" b="-24771"/>
-          <a:stretch/>
-        </p:blipFill>
-        <p:spPr>
-          <a:xfrm>
-            <a:off x="-1262920" y="92829"/>
-            <a:ext cx="7975600" cy="7364611"/>
-          </a:xfrm>
-          <a:prstGeom prst="diamond">
-            <a:avLst/>
-          </a:prstGeom>
-        </p:spPr>
-      </p:pic>
-      <p:pic>
-        <p:nvPicPr>
           <p:cNvPr id="5" name="Content Placeholder 4">
             <a:extLst>
               <a:ext uri="{FF2B5EF4-FFF2-40B4-BE49-F238E27FC236}">
@@ -16194,7 +14265,7 @@
           <p:nvPr/>
         </p:nvPicPr>
         <p:blipFill>
-          <a:blip r:embed="rId3"/>
+          <a:blip r:embed="rId2"/>
           <a:srcRect/>
           <a:stretch/>
         </p:blipFill>
@@ -16208,6 +14279,894 @@
           </a:prstGeom>
         </p:spPr>
       </p:pic>
+      <p:sp>
+        <p:nvSpPr>
+          <p:cNvPr id="70" name="Textfeld 69">
+            <a:extLst>
+              <a:ext uri="{FF2B5EF4-FFF2-40B4-BE49-F238E27FC236}">
+                <a16:creationId xmlns:a16="http://schemas.microsoft.com/office/drawing/2014/main" id="{9663D9CA-74C0-45C2-87A9-209586514E1D}"/>
+              </a:ext>
+            </a:extLst>
+          </p:cNvPr>
+          <p:cNvSpPr txBox="1"/>
+          <p:nvPr/>
+        </p:nvSpPr>
+        <p:spPr>
+          <a:xfrm>
+            <a:off x="155386" y="6343000"/>
+            <a:ext cx="1247285" cy="338554"/>
+          </a:xfrm>
+          <a:prstGeom prst="rect">
+            <a:avLst/>
+          </a:prstGeom>
+          <a:noFill/>
+        </p:spPr>
+        <p:txBody>
+          <a:bodyPr wrap="square" rtlCol="0">
+            <a:spAutoFit/>
+          </a:bodyPr>
+          <a:lstStyle/>
+          <a:p>
+            <a:r>
+              <a:rPr lang="de-DE" sz="1600" dirty="0"/>
+              <a:t>Smart Cube</a:t>
+            </a:r>
+          </a:p>
+        </p:txBody>
+      </p:sp>
+      <p:sp>
+        <p:nvSpPr>
+          <p:cNvPr id="87" name="Textfeld 86">
+            <a:extLst>
+              <a:ext uri="{FF2B5EF4-FFF2-40B4-BE49-F238E27FC236}">
+                <a16:creationId xmlns:a16="http://schemas.microsoft.com/office/drawing/2014/main" id="{04DCC301-8D37-49E7-9FEC-090EA6A17465}"/>
+              </a:ext>
+            </a:extLst>
+          </p:cNvPr>
+          <p:cNvSpPr txBox="1"/>
+          <p:nvPr/>
+        </p:nvSpPr>
+        <p:spPr>
+          <a:xfrm>
+            <a:off x="3423275" y="6370465"/>
+            <a:ext cx="1099890" cy="338554"/>
+          </a:xfrm>
+          <a:prstGeom prst="rect">
+            <a:avLst/>
+          </a:prstGeom>
+          <a:noFill/>
+        </p:spPr>
+        <p:txBody>
+          <a:bodyPr wrap="square" rtlCol="0">
+            <a:spAutoFit/>
+          </a:bodyPr>
+          <a:lstStyle/>
+          <a:p>
+            <a:r>
+              <a:rPr lang="de-DE" sz="1600" dirty="0"/>
+              <a:t>Website</a:t>
+            </a:r>
+          </a:p>
+        </p:txBody>
+      </p:sp>
+      <p:grpSp>
+        <p:nvGrpSpPr>
+          <p:cNvPr id="109" name="Gruppieren 108">
+            <a:extLst>
+              <a:ext uri="{FF2B5EF4-FFF2-40B4-BE49-F238E27FC236}">
+                <a16:creationId xmlns:a16="http://schemas.microsoft.com/office/drawing/2014/main" id="{FB372FC1-AA56-4F9E-91A4-361ED4B767ED}"/>
+              </a:ext>
+            </a:extLst>
+          </p:cNvPr>
+          <p:cNvGrpSpPr/>
+          <p:nvPr/>
+        </p:nvGrpSpPr>
+        <p:grpSpPr>
+          <a:xfrm>
+            <a:off x="109458" y="943688"/>
+            <a:ext cx="5271094" cy="5560164"/>
+            <a:chOff x="109458" y="943688"/>
+            <a:chExt cx="5271094" cy="5560164"/>
+          </a:xfrm>
+        </p:grpSpPr>
+        <p:sp>
+          <p:nvSpPr>
+            <p:cNvPr id="3" name="Wolke 2">
+              <a:extLst>
+                <a:ext uri="{FF2B5EF4-FFF2-40B4-BE49-F238E27FC236}">
+                  <a16:creationId xmlns:a16="http://schemas.microsoft.com/office/drawing/2014/main" id="{67EE07FD-1DE0-4415-8DD3-986DCB6670DF}"/>
+                </a:ext>
+              </a:extLst>
+            </p:cNvPr>
+            <p:cNvSpPr/>
+            <p:nvPr/>
+          </p:nvSpPr>
+          <p:spPr>
+            <a:xfrm>
+              <a:off x="109458" y="2351717"/>
+              <a:ext cx="5271094" cy="3473942"/>
+            </a:xfrm>
+            <a:prstGeom prst="cloud">
+              <a:avLst/>
+            </a:prstGeom>
+          </p:spPr>
+          <p:style>
+            <a:lnRef idx="2">
+              <a:schemeClr val="accent1">
+                <a:shade val="50000"/>
+              </a:schemeClr>
+            </a:lnRef>
+            <a:fillRef idx="1">
+              <a:schemeClr val="accent1"/>
+            </a:fillRef>
+            <a:effectRef idx="0">
+              <a:schemeClr val="accent1"/>
+            </a:effectRef>
+            <a:fontRef idx="minor">
+              <a:schemeClr val="lt1"/>
+            </a:fontRef>
+          </p:style>
+          <p:txBody>
+            <a:bodyPr rtlCol="0" anchor="ctr"/>
+            <a:lstStyle/>
+            <a:p>
+              <a:pPr algn="ctr"/>
+              <a:endParaRPr lang="de-DE" sz="1600"/>
+            </a:p>
+          </p:txBody>
+        </p:sp>
+        <p:sp>
+          <p:nvSpPr>
+            <p:cNvPr id="6" name="Textfeld 5">
+              <a:extLst>
+                <a:ext uri="{FF2B5EF4-FFF2-40B4-BE49-F238E27FC236}">
+                  <a16:creationId xmlns:a16="http://schemas.microsoft.com/office/drawing/2014/main" id="{B2A32002-4D14-4159-8D7F-B6B4EB4A7735}"/>
+                </a:ext>
+              </a:extLst>
+            </p:cNvPr>
+            <p:cNvSpPr txBox="1"/>
+            <p:nvPr/>
+          </p:nvSpPr>
+          <p:spPr>
+            <a:xfrm>
+              <a:off x="3361968" y="4167539"/>
+              <a:ext cx="1197731" cy="830997"/>
+            </a:xfrm>
+            <a:prstGeom prst="rect">
+              <a:avLst/>
+            </a:prstGeom>
+            <a:solidFill>
+              <a:schemeClr val="bg1"/>
+            </a:solidFill>
+            <a:ln w="28575">
+              <a:solidFill>
+                <a:schemeClr val="accent2">
+                  <a:lumMod val="50000"/>
+                </a:schemeClr>
+              </a:solidFill>
+            </a:ln>
+          </p:spPr>
+          <p:txBody>
+            <a:bodyPr wrap="square" rtlCol="0">
+              <a:spAutoFit/>
+            </a:bodyPr>
+            <a:lstStyle/>
+            <a:p>
+              <a:pPr algn="ctr"/>
+              <a:endParaRPr lang="de-DE" sz="1600" dirty="0"/>
+            </a:p>
+            <a:p>
+              <a:pPr algn="ctr"/>
+              <a:r>
+                <a:rPr lang="de-DE" sz="1600" dirty="0" err="1"/>
+                <a:t>database</a:t>
+              </a:r>
+              <a:endParaRPr lang="de-DE" sz="1600" dirty="0"/>
+            </a:p>
+            <a:p>
+              <a:endParaRPr lang="de-DE" sz="1600" dirty="0"/>
+            </a:p>
+          </p:txBody>
+        </p:sp>
+        <p:sp>
+          <p:nvSpPr>
+            <p:cNvPr id="13" name="Textfeld 12">
+              <a:extLst>
+                <a:ext uri="{FF2B5EF4-FFF2-40B4-BE49-F238E27FC236}">
+                  <a16:creationId xmlns:a16="http://schemas.microsoft.com/office/drawing/2014/main" id="{0E7FAD89-EE5C-4F71-80A6-FB8FA9DAD1C5}"/>
+                </a:ext>
+              </a:extLst>
+            </p:cNvPr>
+            <p:cNvSpPr txBox="1"/>
+            <p:nvPr/>
+          </p:nvSpPr>
+          <p:spPr>
+            <a:xfrm>
+              <a:off x="1112934" y="4167539"/>
+              <a:ext cx="1443835" cy="830997"/>
+            </a:xfrm>
+            <a:prstGeom prst="rect">
+              <a:avLst/>
+            </a:prstGeom>
+            <a:solidFill>
+              <a:schemeClr val="bg1"/>
+            </a:solidFill>
+            <a:ln w="28575">
+              <a:solidFill>
+                <a:schemeClr val="accent2">
+                  <a:lumMod val="50000"/>
+                </a:schemeClr>
+              </a:solidFill>
+            </a:ln>
+          </p:spPr>
+          <p:txBody>
+            <a:bodyPr wrap="square" rtlCol="0">
+              <a:spAutoFit/>
+            </a:bodyPr>
+            <a:lstStyle/>
+            <a:p>
+              <a:pPr algn="ctr"/>
+              <a:endParaRPr lang="de-DE" sz="1600" dirty="0"/>
+            </a:p>
+            <a:p>
+              <a:pPr algn="ctr"/>
+              <a:r>
+                <a:rPr lang="de-DE" sz="1600" dirty="0" err="1"/>
+                <a:t>cube_api</a:t>
+              </a:r>
+              <a:endParaRPr lang="de-DE" sz="1600" dirty="0"/>
+            </a:p>
+            <a:p>
+              <a:pPr algn="ctr"/>
+              <a:endParaRPr lang="de-DE" sz="1600" dirty="0"/>
+            </a:p>
+          </p:txBody>
+        </p:sp>
+        <p:sp>
+          <p:nvSpPr>
+            <p:cNvPr id="14" name="Textfeld 13">
+              <a:extLst>
+                <a:ext uri="{FF2B5EF4-FFF2-40B4-BE49-F238E27FC236}">
+                  <a16:creationId xmlns:a16="http://schemas.microsoft.com/office/drawing/2014/main" id="{1B05BC63-6491-46E8-945C-1B137975B8C4}"/>
+                </a:ext>
+              </a:extLst>
+            </p:cNvPr>
+            <p:cNvSpPr txBox="1"/>
+            <p:nvPr/>
+          </p:nvSpPr>
+          <p:spPr>
+            <a:xfrm>
+              <a:off x="1112934" y="2871281"/>
+              <a:ext cx="1443835" cy="830997"/>
+            </a:xfrm>
+            <a:prstGeom prst="rect">
+              <a:avLst/>
+            </a:prstGeom>
+            <a:solidFill>
+              <a:schemeClr val="bg1"/>
+            </a:solidFill>
+            <a:ln w="28575">
+              <a:solidFill>
+                <a:schemeClr val="accent2">
+                  <a:lumMod val="50000"/>
+                </a:schemeClr>
+              </a:solidFill>
+            </a:ln>
+          </p:spPr>
+          <p:txBody>
+            <a:bodyPr wrap="square" rtlCol="0">
+              <a:spAutoFit/>
+            </a:bodyPr>
+            <a:lstStyle/>
+            <a:p>
+              <a:endParaRPr lang="de-DE" sz="1600" dirty="0"/>
+            </a:p>
+            <a:p>
+              <a:r>
+                <a:rPr lang="de-DE" sz="1600" dirty="0" err="1"/>
+                <a:t>telegram_bot</a:t>
+              </a:r>
+              <a:endParaRPr lang="de-DE" sz="1600" dirty="0"/>
+            </a:p>
+            <a:p>
+              <a:endParaRPr lang="de-DE" sz="1600" dirty="0"/>
+            </a:p>
+          </p:txBody>
+        </p:sp>
+        <p:sp>
+          <p:nvSpPr>
+            <p:cNvPr id="16" name="Textfeld 15">
+              <a:extLst>
+                <a:ext uri="{FF2B5EF4-FFF2-40B4-BE49-F238E27FC236}">
+                  <a16:creationId xmlns:a16="http://schemas.microsoft.com/office/drawing/2014/main" id="{2635A24A-48C8-45AA-A10D-3348A44D5033}"/>
+                </a:ext>
+              </a:extLst>
+            </p:cNvPr>
+            <p:cNvSpPr txBox="1"/>
+            <p:nvPr/>
+          </p:nvSpPr>
+          <p:spPr>
+            <a:xfrm>
+              <a:off x="3361968" y="2866229"/>
+              <a:ext cx="1197731" cy="830997"/>
+            </a:xfrm>
+            <a:prstGeom prst="rect">
+              <a:avLst/>
+            </a:prstGeom>
+            <a:solidFill>
+              <a:schemeClr val="bg1"/>
+            </a:solidFill>
+            <a:ln w="28575">
+              <a:solidFill>
+                <a:schemeClr val="accent2">
+                  <a:lumMod val="50000"/>
+                </a:schemeClr>
+              </a:solidFill>
+            </a:ln>
+          </p:spPr>
+          <p:txBody>
+            <a:bodyPr wrap="square" rtlCol="0">
+              <a:spAutoFit/>
+            </a:bodyPr>
+            <a:lstStyle/>
+            <a:p>
+              <a:endParaRPr lang="de-DE" sz="1600" dirty="0"/>
+            </a:p>
+            <a:p>
+              <a:pPr algn="ctr"/>
+              <a:r>
+                <a:rPr lang="de-DE" sz="1600" dirty="0"/>
+                <a:t>main.py</a:t>
+              </a:r>
+            </a:p>
+            <a:p>
+              <a:endParaRPr lang="de-DE" sz="1600" dirty="0"/>
+            </a:p>
+          </p:txBody>
+        </p:sp>
+        <p:cxnSp>
+          <p:nvCxnSpPr>
+            <p:cNvPr id="10" name="Gerade Verbindung mit Pfeil 9">
+              <a:extLst>
+                <a:ext uri="{FF2B5EF4-FFF2-40B4-BE49-F238E27FC236}">
+                  <a16:creationId xmlns:a16="http://schemas.microsoft.com/office/drawing/2014/main" id="{DD2F656E-59DC-4B25-A991-82521948B682}"/>
+                </a:ext>
+              </a:extLst>
+            </p:cNvPr>
+            <p:cNvCxnSpPr>
+              <a:cxnSpLocks/>
+              <a:stCxn id="14" idx="3"/>
+              <a:endCxn id="16" idx="1"/>
+            </p:cNvCxnSpPr>
+            <p:nvPr/>
+          </p:nvCxnSpPr>
+          <p:spPr>
+            <a:xfrm flipV="1">
+              <a:off x="2556769" y="3281728"/>
+              <a:ext cx="805199" cy="5052"/>
+            </a:xfrm>
+            <a:prstGeom prst="straightConnector1">
+              <a:avLst/>
+            </a:prstGeom>
+            <a:ln w="38100">
+              <a:headEnd type="triangle"/>
+              <a:tailEnd type="triangle"/>
+            </a:ln>
+          </p:spPr>
+          <p:style>
+            <a:lnRef idx="1">
+              <a:schemeClr val="dk1"/>
+            </a:lnRef>
+            <a:fillRef idx="0">
+              <a:schemeClr val="dk1"/>
+            </a:fillRef>
+            <a:effectRef idx="0">
+              <a:schemeClr val="dk1"/>
+            </a:effectRef>
+            <a:fontRef idx="minor">
+              <a:schemeClr val="tx1"/>
+            </a:fontRef>
+          </p:style>
+        </p:cxnSp>
+        <p:cxnSp>
+          <p:nvCxnSpPr>
+            <p:cNvPr id="22" name="Gerade Verbindung mit Pfeil 21">
+              <a:extLst>
+                <a:ext uri="{FF2B5EF4-FFF2-40B4-BE49-F238E27FC236}">
+                  <a16:creationId xmlns:a16="http://schemas.microsoft.com/office/drawing/2014/main" id="{2BF25FF5-1983-4A38-ABF2-FDE5394C4201}"/>
+                </a:ext>
+              </a:extLst>
+            </p:cNvPr>
+            <p:cNvCxnSpPr>
+              <a:cxnSpLocks/>
+              <a:stCxn id="6" idx="1"/>
+              <a:endCxn id="13" idx="3"/>
+            </p:cNvCxnSpPr>
+            <p:nvPr/>
+          </p:nvCxnSpPr>
+          <p:spPr>
+            <a:xfrm flipH="1">
+              <a:off x="2556769" y="4583038"/>
+              <a:ext cx="805199" cy="0"/>
+            </a:xfrm>
+            <a:prstGeom prst="straightConnector1">
+              <a:avLst/>
+            </a:prstGeom>
+            <a:ln w="38100">
+              <a:headEnd type="triangle"/>
+              <a:tailEnd type="triangle"/>
+            </a:ln>
+          </p:spPr>
+          <p:style>
+            <a:lnRef idx="1">
+              <a:schemeClr val="dk1"/>
+            </a:lnRef>
+            <a:fillRef idx="0">
+              <a:schemeClr val="dk1"/>
+            </a:fillRef>
+            <a:effectRef idx="0">
+              <a:schemeClr val="dk1"/>
+            </a:effectRef>
+            <a:fontRef idx="minor">
+              <a:schemeClr val="tx1"/>
+            </a:fontRef>
+          </p:style>
+        </p:cxnSp>
+        <p:cxnSp>
+          <p:nvCxnSpPr>
+            <p:cNvPr id="25" name="Gerade Verbindung mit Pfeil 24">
+              <a:extLst>
+                <a:ext uri="{FF2B5EF4-FFF2-40B4-BE49-F238E27FC236}">
+                  <a16:creationId xmlns:a16="http://schemas.microsoft.com/office/drawing/2014/main" id="{E5E2436A-6EBB-4CFB-9455-5E43A647F68B}"/>
+                </a:ext>
+              </a:extLst>
+            </p:cNvPr>
+            <p:cNvCxnSpPr>
+              <a:cxnSpLocks/>
+              <a:stCxn id="14" idx="2"/>
+              <a:endCxn id="13" idx="0"/>
+            </p:cNvCxnSpPr>
+            <p:nvPr/>
+          </p:nvCxnSpPr>
+          <p:spPr>
+            <a:xfrm>
+              <a:off x="1834852" y="3702278"/>
+              <a:ext cx="0" cy="465261"/>
+            </a:xfrm>
+            <a:prstGeom prst="straightConnector1">
+              <a:avLst/>
+            </a:prstGeom>
+            <a:ln w="38100">
+              <a:headEnd type="triangle"/>
+              <a:tailEnd type="triangle"/>
+            </a:ln>
+          </p:spPr>
+          <p:style>
+            <a:lnRef idx="1">
+              <a:schemeClr val="dk1"/>
+            </a:lnRef>
+            <a:fillRef idx="0">
+              <a:schemeClr val="dk1"/>
+            </a:fillRef>
+            <a:effectRef idx="0">
+              <a:schemeClr val="dk1"/>
+            </a:effectRef>
+            <a:fontRef idx="minor">
+              <a:schemeClr val="tx1"/>
+            </a:fontRef>
+          </p:style>
+        </p:cxnSp>
+        <p:sp>
+          <p:nvSpPr>
+            <p:cNvPr id="28" name="Würfel 27">
+              <a:extLst>
+                <a:ext uri="{FF2B5EF4-FFF2-40B4-BE49-F238E27FC236}">
+                  <a16:creationId xmlns:a16="http://schemas.microsoft.com/office/drawing/2014/main" id="{BACCDC2B-3E38-45CF-9E9B-4C1BAF73425C}"/>
+                </a:ext>
+              </a:extLst>
+            </p:cNvPr>
+            <p:cNvSpPr/>
+            <p:nvPr/>
+          </p:nvSpPr>
+          <p:spPr>
+            <a:xfrm>
+              <a:off x="467081" y="5699617"/>
+              <a:ext cx="755747" cy="713745"/>
+            </a:xfrm>
+            <a:prstGeom prst="cube">
+              <a:avLst/>
+            </a:prstGeom>
+          </p:spPr>
+          <p:style>
+            <a:lnRef idx="2">
+              <a:schemeClr val="accent1">
+                <a:shade val="50000"/>
+              </a:schemeClr>
+            </a:lnRef>
+            <a:fillRef idx="1">
+              <a:schemeClr val="accent1"/>
+            </a:fillRef>
+            <a:effectRef idx="0">
+              <a:schemeClr val="accent1"/>
+            </a:effectRef>
+            <a:fontRef idx="minor">
+              <a:schemeClr val="lt1"/>
+            </a:fontRef>
+          </p:style>
+          <p:txBody>
+            <a:bodyPr rtlCol="0" anchor="ctr"/>
+            <a:lstStyle/>
+            <a:p>
+              <a:pPr algn="ctr"/>
+              <a:endParaRPr lang="de-DE" dirty="0"/>
+            </a:p>
+          </p:txBody>
+        </p:sp>
+        <p:pic>
+          <p:nvPicPr>
+            <p:cNvPr id="30" name="Grafik 29" descr="Ein Bild, das Ende, Uhr, Schild enthält.&#10;&#10;Automatisch generierte Bsfgereschreibung">
+              <a:extLst>
+                <a:ext uri="{FF2B5EF4-FFF2-40B4-BE49-F238E27FC236}">
+                  <a16:creationId xmlns:a16="http://schemas.microsoft.com/office/drawing/2014/main" id="{B6157747-7F70-4180-A067-E6F3E1FF0B87}"/>
+                </a:ext>
+              </a:extLst>
+            </p:cNvPr>
+            <p:cNvPicPr>
+              <a:picLocks noChangeAspect="1"/>
+            </p:cNvPicPr>
+            <p:nvPr/>
+          </p:nvPicPr>
+          <p:blipFill rotWithShape="1">
+            <a:blip r:embed="rId3"/>
+            <a:srcRect l="22287" t="26958" r="28855" b="26688"/>
+            <a:stretch/>
+          </p:blipFill>
+          <p:spPr>
+            <a:xfrm>
+              <a:off x="3400184" y="943688"/>
+              <a:ext cx="869475" cy="1166038"/>
+            </a:xfrm>
+            <a:prstGeom prst="rect">
+              <a:avLst/>
+            </a:prstGeom>
+          </p:spPr>
+        </p:pic>
+        <p:sp>
+          <p:nvSpPr>
+            <p:cNvPr id="31" name="Textfeld 30">
+              <a:extLst>
+                <a:ext uri="{FF2B5EF4-FFF2-40B4-BE49-F238E27FC236}">
+                  <a16:creationId xmlns:a16="http://schemas.microsoft.com/office/drawing/2014/main" id="{7BE66D27-CD57-4BB6-B491-FB02D345CEB5}"/>
+                </a:ext>
+              </a:extLst>
+            </p:cNvPr>
+            <p:cNvSpPr txBox="1"/>
+            <p:nvPr/>
+          </p:nvSpPr>
+          <p:spPr>
+            <a:xfrm>
+              <a:off x="1114756" y="1348514"/>
+              <a:ext cx="1442013" cy="830997"/>
+            </a:xfrm>
+            <a:prstGeom prst="rect">
+              <a:avLst/>
+            </a:prstGeom>
+            <a:solidFill>
+              <a:schemeClr val="bg1"/>
+            </a:solidFill>
+            <a:ln w="28575">
+              <a:solidFill>
+                <a:schemeClr val="accent2">
+                  <a:lumMod val="50000"/>
+                </a:schemeClr>
+              </a:solidFill>
+            </a:ln>
+          </p:spPr>
+          <p:txBody>
+            <a:bodyPr wrap="square" rtlCol="0">
+              <a:spAutoFit/>
+            </a:bodyPr>
+            <a:lstStyle/>
+            <a:p>
+              <a:endParaRPr lang="de-DE" sz="1600" dirty="0"/>
+            </a:p>
+            <a:p>
+              <a:pPr algn="ctr"/>
+              <a:r>
+                <a:rPr lang="de-DE" sz="1600" dirty="0" err="1"/>
+                <a:t>telegram_api</a:t>
+              </a:r>
+              <a:endParaRPr lang="de-DE" sz="1600" dirty="0"/>
+            </a:p>
+            <a:p>
+              <a:endParaRPr lang="de-DE" sz="1600" dirty="0"/>
+            </a:p>
+          </p:txBody>
+        </p:sp>
+        <p:sp>
+          <p:nvSpPr>
+            <p:cNvPr id="33" name="Textfeld 32">
+              <a:extLst>
+                <a:ext uri="{FF2B5EF4-FFF2-40B4-BE49-F238E27FC236}">
+                  <a16:creationId xmlns:a16="http://schemas.microsoft.com/office/drawing/2014/main" id="{426462D8-CCE5-4E0D-8A50-D26987B1902C}"/>
+                </a:ext>
+              </a:extLst>
+            </p:cNvPr>
+            <p:cNvSpPr txBox="1"/>
+            <p:nvPr/>
+          </p:nvSpPr>
+          <p:spPr>
+            <a:xfrm>
+              <a:off x="3327303" y="2070286"/>
+              <a:ext cx="954860" cy="338554"/>
+            </a:xfrm>
+            <a:prstGeom prst="rect">
+              <a:avLst/>
+            </a:prstGeom>
+            <a:noFill/>
+          </p:spPr>
+          <p:txBody>
+            <a:bodyPr wrap="square" rtlCol="0">
+              <a:spAutoFit/>
+            </a:bodyPr>
+            <a:lstStyle/>
+            <a:p>
+              <a:pPr algn="ctr"/>
+              <a:r>
+                <a:rPr lang="de-DE" sz="1600" dirty="0"/>
+                <a:t>User</a:t>
+              </a:r>
+              <a:endParaRPr lang="de-DE" dirty="0"/>
+            </a:p>
+          </p:txBody>
+        </p:sp>
+        <p:cxnSp>
+          <p:nvCxnSpPr>
+            <p:cNvPr id="74" name="Gerade Verbindung mit Pfeil 73">
+              <a:extLst>
+                <a:ext uri="{FF2B5EF4-FFF2-40B4-BE49-F238E27FC236}">
+                  <a16:creationId xmlns:a16="http://schemas.microsoft.com/office/drawing/2014/main" id="{ECCA7AF0-6DF5-47B7-A25C-A6692990182A}"/>
+                </a:ext>
+              </a:extLst>
+            </p:cNvPr>
+            <p:cNvCxnSpPr>
+              <a:cxnSpLocks/>
+              <a:stCxn id="31" idx="2"/>
+              <a:endCxn id="14" idx="0"/>
+            </p:cNvCxnSpPr>
+            <p:nvPr/>
+          </p:nvCxnSpPr>
+          <p:spPr>
+            <a:xfrm flipH="1">
+              <a:off x="1834852" y="2179511"/>
+              <a:ext cx="911" cy="691770"/>
+            </a:xfrm>
+            <a:prstGeom prst="straightConnector1">
+              <a:avLst/>
+            </a:prstGeom>
+            <a:ln w="38100">
+              <a:headEnd type="triangle"/>
+              <a:tailEnd type="triangle"/>
+            </a:ln>
+          </p:spPr>
+          <p:style>
+            <a:lnRef idx="1">
+              <a:schemeClr val="dk1"/>
+            </a:lnRef>
+            <a:fillRef idx="0">
+              <a:schemeClr val="dk1"/>
+            </a:fillRef>
+            <a:effectRef idx="0">
+              <a:schemeClr val="dk1"/>
+            </a:effectRef>
+            <a:fontRef idx="minor">
+              <a:schemeClr val="tx1"/>
+            </a:fontRef>
+          </p:style>
+        </p:cxnSp>
+        <p:cxnSp>
+          <p:nvCxnSpPr>
+            <p:cNvPr id="77" name="Gerade Verbindung mit Pfeil 76">
+              <a:extLst>
+                <a:ext uri="{FF2B5EF4-FFF2-40B4-BE49-F238E27FC236}">
+                  <a16:creationId xmlns:a16="http://schemas.microsoft.com/office/drawing/2014/main" id="{78B8F7C5-5C9C-40A1-81C2-6810FDD574E7}"/>
+                </a:ext>
+              </a:extLst>
+            </p:cNvPr>
+            <p:cNvCxnSpPr>
+              <a:cxnSpLocks/>
+              <a:stCxn id="31" idx="3"/>
+            </p:cNvCxnSpPr>
+            <p:nvPr/>
+          </p:nvCxnSpPr>
+          <p:spPr>
+            <a:xfrm>
+              <a:off x="2556769" y="1764013"/>
+              <a:ext cx="805199" cy="0"/>
+            </a:xfrm>
+            <a:prstGeom prst="straightConnector1">
+              <a:avLst/>
+            </a:prstGeom>
+            <a:ln w="38100">
+              <a:headEnd type="triangle"/>
+              <a:tailEnd type="triangle"/>
+            </a:ln>
+          </p:spPr>
+          <p:style>
+            <a:lnRef idx="1">
+              <a:schemeClr val="dk1"/>
+            </a:lnRef>
+            <a:fillRef idx="0">
+              <a:schemeClr val="dk1"/>
+            </a:fillRef>
+            <a:effectRef idx="0">
+              <a:schemeClr val="dk1"/>
+            </a:effectRef>
+            <a:fontRef idx="minor">
+              <a:schemeClr val="tx1"/>
+            </a:fontRef>
+          </p:style>
+        </p:cxnSp>
+        <p:sp>
+          <p:nvSpPr>
+            <p:cNvPr id="81" name="Textfeld 80">
+              <a:extLst>
+                <a:ext uri="{FF2B5EF4-FFF2-40B4-BE49-F238E27FC236}">
+                  <a16:creationId xmlns:a16="http://schemas.microsoft.com/office/drawing/2014/main" id="{C90DFD2F-C90A-4C02-88CD-D28570341816}"/>
+                </a:ext>
+              </a:extLst>
+            </p:cNvPr>
+            <p:cNvSpPr txBox="1"/>
+            <p:nvPr/>
+          </p:nvSpPr>
+          <p:spPr>
+            <a:xfrm>
+              <a:off x="2568336" y="3806250"/>
+              <a:ext cx="753173" cy="369332"/>
+            </a:xfrm>
+            <a:prstGeom prst="rect">
+              <a:avLst/>
+            </a:prstGeom>
+            <a:noFill/>
+          </p:spPr>
+          <p:txBody>
+            <a:bodyPr wrap="square" rtlCol="0">
+              <a:spAutoFit/>
+            </a:bodyPr>
+            <a:lstStyle/>
+            <a:p>
+              <a:r>
+                <a:rPr lang="de-DE" dirty="0"/>
+                <a:t>AWS</a:t>
+              </a:r>
+            </a:p>
+          </p:txBody>
+        </p:sp>
+        <p:pic>
+          <p:nvPicPr>
+            <p:cNvPr id="83" name="Grafik 82">
+              <a:extLst>
+                <a:ext uri="{FF2B5EF4-FFF2-40B4-BE49-F238E27FC236}">
+                  <a16:creationId xmlns:a16="http://schemas.microsoft.com/office/drawing/2014/main" id="{E0D1A767-5B18-4A74-AAC7-F0F6EF4C9E01}"/>
+                </a:ext>
+              </a:extLst>
+            </p:cNvPr>
+            <p:cNvPicPr>
+              <a:picLocks noChangeAspect="1"/>
+            </p:cNvPicPr>
+            <p:nvPr/>
+          </p:nvPicPr>
+          <p:blipFill>
+            <a:blip r:embed="rId4">
+              <a:extLst>
+                <a:ext uri="{837473B0-CC2E-450A-ABE3-18F120FF3D39}">
+                  <a1611:picAttrSrcUrl xmlns:a1611="http://schemas.microsoft.com/office/drawing/2016/11/main" r:id="rId5"/>
+                </a:ext>
+              </a:extLst>
+            </a:blip>
+            <a:stretch>
+              <a:fillRect/>
+            </a:stretch>
+          </p:blipFill>
+          <p:spPr>
+            <a:xfrm>
+              <a:off x="3487179" y="5543342"/>
+              <a:ext cx="960510" cy="960510"/>
+            </a:xfrm>
+            <a:prstGeom prst="rect">
+              <a:avLst/>
+            </a:prstGeom>
+          </p:spPr>
+        </p:pic>
+        <p:cxnSp>
+          <p:nvCxnSpPr>
+            <p:cNvPr id="89" name="Gerade Verbindung mit Pfeil 88">
+              <a:extLst>
+                <a:ext uri="{FF2B5EF4-FFF2-40B4-BE49-F238E27FC236}">
+                  <a16:creationId xmlns:a16="http://schemas.microsoft.com/office/drawing/2014/main" id="{1CA8E59D-408E-4402-9D07-EC4C37C11E14}"/>
+                </a:ext>
+              </a:extLst>
+            </p:cNvPr>
+            <p:cNvCxnSpPr>
+              <a:cxnSpLocks/>
+              <a:stCxn id="6" idx="2"/>
+              <a:endCxn id="83" idx="0"/>
+            </p:cNvCxnSpPr>
+            <p:nvPr/>
+          </p:nvCxnSpPr>
+          <p:spPr>
+            <a:xfrm>
+              <a:off x="3960834" y="4998536"/>
+              <a:ext cx="6600" cy="544806"/>
+            </a:xfrm>
+            <a:prstGeom prst="straightConnector1">
+              <a:avLst/>
+            </a:prstGeom>
+            <a:ln w="38100">
+              <a:headEnd type="triangle"/>
+              <a:tailEnd type="triangle"/>
+            </a:ln>
+          </p:spPr>
+          <p:style>
+            <a:lnRef idx="1">
+              <a:schemeClr val="dk1"/>
+            </a:lnRef>
+            <a:fillRef idx="0">
+              <a:schemeClr val="dk1"/>
+            </a:fillRef>
+            <a:effectRef idx="0">
+              <a:schemeClr val="dk1"/>
+            </a:effectRef>
+            <a:fontRef idx="minor">
+              <a:schemeClr val="tx1"/>
+            </a:fontRef>
+          </p:style>
+        </p:cxnSp>
+        <p:cxnSp>
+          <p:nvCxnSpPr>
+            <p:cNvPr id="105" name="Verbinder: gewinkelt 104">
+              <a:extLst>
+                <a:ext uri="{FF2B5EF4-FFF2-40B4-BE49-F238E27FC236}">
+                  <a16:creationId xmlns:a16="http://schemas.microsoft.com/office/drawing/2014/main" id="{E57BA130-6D46-4153-8AC1-761FF7B76D21}"/>
+                </a:ext>
+              </a:extLst>
+            </p:cNvPr>
+            <p:cNvCxnSpPr>
+              <a:cxnSpLocks/>
+              <a:stCxn id="28" idx="0"/>
+              <a:endCxn id="13" idx="1"/>
+            </p:cNvCxnSpPr>
+            <p:nvPr/>
+          </p:nvCxnSpPr>
+          <p:spPr>
+            <a:xfrm rot="5400000" flipH="1" flipV="1">
+              <a:off x="465264" y="5051948"/>
+              <a:ext cx="1116579" cy="178761"/>
+            </a:xfrm>
+            <a:prstGeom prst="bentConnector2">
+              <a:avLst/>
+            </a:prstGeom>
+            <a:ln w="38100">
+              <a:headEnd type="triangle"/>
+              <a:tailEnd type="triangle"/>
+            </a:ln>
+          </p:spPr>
+          <p:style>
+            <a:lnRef idx="1">
+              <a:schemeClr val="dk1"/>
+            </a:lnRef>
+            <a:fillRef idx="0">
+              <a:schemeClr val="dk1"/>
+            </a:fillRef>
+            <a:effectRef idx="0">
+              <a:schemeClr val="dk1"/>
+            </a:effectRef>
+            <a:fontRef idx="minor">
+              <a:schemeClr val="tx1"/>
+            </a:fontRef>
+          </p:style>
+        </p:cxnSp>
+      </p:grpSp>
     </p:spTree>
     <p:extLst>
       <p:ext uri="{BB962C8B-B14F-4D97-AF65-F5344CB8AC3E}">
@@ -16222,104 +15181,6 @@
 </file>
 
 <file path=ppt/slides/slide6.xml><?xml version="1.0" encoding="utf-8"?>
-<p:sld xmlns:a="http://schemas.openxmlformats.org/drawingml/2006/main" xmlns:r="http://schemas.openxmlformats.org/officeDocument/2006/relationships" xmlns:p="http://schemas.openxmlformats.org/presentationml/2006/main">
-  <p:cSld>
-    <p:bg>
-      <p:bgPr>
-        <a:solidFill>
-          <a:schemeClr val="bg1"/>
-        </a:solidFill>
-        <a:effectLst/>
-      </p:bgPr>
-    </p:bg>
-    <p:spTree>
-      <p:nvGrpSpPr>
-        <p:cNvPr id="1" name=""/>
-        <p:cNvGrpSpPr/>
-        <p:nvPr/>
-      </p:nvGrpSpPr>
-      <p:grpSpPr>
-        <a:xfrm>
-          <a:off x="0" y="0"/>
-          <a:ext cx="0" cy="0"/>
-          <a:chOff x="0" y="0"/>
-          <a:chExt cx="0" cy="0"/>
-        </a:xfrm>
-      </p:grpSpPr>
-      <p:sp>
-        <p:nvSpPr>
-          <p:cNvPr id="2" name="Title 1">
-            <a:extLst>
-              <a:ext uri="{FF2B5EF4-FFF2-40B4-BE49-F238E27FC236}">
-                <a16:creationId xmlns:a16="http://schemas.microsoft.com/office/drawing/2014/main" id="{73557979-E417-094F-B32D-EBFC214F7D32}"/>
-              </a:ext>
-            </a:extLst>
-          </p:cNvPr>
-          <p:cNvSpPr>
-            <a:spLocks noGrp="1"/>
-          </p:cNvSpPr>
-          <p:nvPr>
-            <p:ph type="title"/>
-          </p:nvPr>
-        </p:nvSpPr>
-        <p:spPr/>
-        <p:txBody>
-          <a:bodyPr anchor="t">
-            <a:normAutofit/>
-          </a:bodyPr>
-          <a:lstStyle/>
-          <a:p>
-            <a:r>
-              <a:rPr lang="en-DE" dirty="0"/>
-              <a:t>TelegramBot</a:t>
-            </a:r>
-          </a:p>
-        </p:txBody>
-      </p:sp>
-      <p:pic>
-        <p:nvPicPr>
-          <p:cNvPr id="11" name="Content Placeholder 10" descr="A close up of a map&#10;&#10;Description automatically generated">
-            <a:extLst>
-              <a:ext uri="{FF2B5EF4-FFF2-40B4-BE49-F238E27FC236}">
-                <a16:creationId xmlns:a16="http://schemas.microsoft.com/office/drawing/2014/main" id="{E4F0F635-C537-3B4E-9596-3E6B41DD067D}"/>
-              </a:ext>
-            </a:extLst>
-          </p:cNvPr>
-          <p:cNvPicPr>
-            <a:picLocks noChangeAspect="1"/>
-          </p:cNvPicPr>
-          <p:nvPr/>
-        </p:nvPicPr>
-        <p:blipFill>
-          <a:blip r:embed="rId2"/>
-          <a:stretch>
-            <a:fillRect/>
-          </a:stretch>
-        </p:blipFill>
-        <p:spPr>
-          <a:xfrm>
-            <a:off x="468561" y="1518137"/>
-            <a:ext cx="8805441" cy="4116543"/>
-          </a:xfrm>
-          <a:prstGeom prst="rect">
-            <a:avLst/>
-          </a:prstGeom>
-        </p:spPr>
-      </p:pic>
-    </p:spTree>
-    <p:extLst>
-      <p:ext uri="{BB962C8B-B14F-4D97-AF65-F5344CB8AC3E}">
-        <p14:creationId xmlns:p14="http://schemas.microsoft.com/office/powerpoint/2010/main" val="51085318"/>
-      </p:ext>
-    </p:extLst>
-  </p:cSld>
-  <p:clrMapOvr>
-    <a:masterClrMapping/>
-  </p:clrMapOvr>
-</p:sld>
-</file>
-
-<file path=ppt/slides/slide7.xml><?xml version="1.0" encoding="utf-8"?>
 <p:sld xmlns:a="http://schemas.openxmlformats.org/drawingml/2006/main" xmlns:r="http://schemas.openxmlformats.org/officeDocument/2006/relationships" xmlns:p="http://schemas.openxmlformats.org/presentationml/2006/main">
   <p:cSld>
     <p:spTree>
@@ -18896,7 +17757,7 @@
 </p:sld>
 </file>
 
-<file path=ppt/slides/slide8.xml><?xml version="1.0" encoding="utf-8"?>
+<file path=ppt/slides/slide7.xml><?xml version="1.0" encoding="utf-8"?>
 <p:sld xmlns:a="http://schemas.openxmlformats.org/drawingml/2006/main" xmlns:r="http://schemas.openxmlformats.org/officeDocument/2006/relationships" xmlns:p="http://schemas.openxmlformats.org/presentationml/2006/main">
   <p:cSld>
     <p:bg>
@@ -19478,7 +18339,7 @@
 </p:sld>
 </file>
 
-<file path=ppt/slides/slide9.xml><?xml version="1.0" encoding="utf-8"?>
+<file path=ppt/slides/slide8.xml><?xml version="1.0" encoding="utf-8"?>
 <p:sld xmlns:a="http://schemas.openxmlformats.org/drawingml/2006/main" xmlns:r="http://schemas.openxmlformats.org/officeDocument/2006/relationships" xmlns:p="http://schemas.openxmlformats.org/presentationml/2006/main">
   <p:cSld>
     <p:bg>
@@ -19657,13 +18518,693 @@
   <p:clrMapOvr>
     <a:overrideClrMapping bg1="dk1" tx1="lt1" bg2="dk2" tx2="lt2" accent1="accent1" accent2="accent2" accent3="accent3" accent4="accent4" accent5="accent5" accent6="accent6" hlink="hlink" folHlink="folHlink"/>
   </p:clrMapOvr>
-  <mc:AlternateContent xmlns:mc="http://schemas.openxmlformats.org/markup-compatibility/2006">
-    <mc:Choice xmlns:p159="http://schemas.microsoft.com/office/powerpoint/2015/09/main" Requires="p159">
+  <mc:AlternateContent xmlns:mc="http://schemas.openxmlformats.org/markup-compatibility/2006" xmlns:p159="http://schemas.microsoft.com/office/powerpoint/2015/09/main">
+    <mc:Choice Requires="p159">
       <p:transition xmlns:p14="http://schemas.microsoft.com/office/powerpoint/2010/main" spd="slow" p14:dur="2000">
         <p159:morph option="byObject"/>
       </p:transition>
     </mc:Choice>
-    <mc:Fallback>
+    <mc:Fallback xmlns="">
+      <p:transition spd="slow">
+        <p:fade/>
+      </p:transition>
+    </mc:Fallback>
+  </mc:AlternateContent>
+</p:sld>
+</file>
+
+<file path=ppt/slides/slide9.xml><?xml version="1.0" encoding="utf-8"?>
+<p:sld xmlns:a="http://schemas.openxmlformats.org/drawingml/2006/main" xmlns:r="http://schemas.openxmlformats.org/officeDocument/2006/relationships" xmlns:p="http://schemas.openxmlformats.org/presentationml/2006/main">
+  <p:cSld>
+    <p:bg>
+      <p:bgPr>
+        <a:solidFill>
+          <a:schemeClr val="bg1"/>
+        </a:solidFill>
+        <a:effectLst/>
+      </p:bgPr>
+    </p:bg>
+    <p:spTree>
+      <p:nvGrpSpPr>
+        <p:cNvPr id="1" name=""/>
+        <p:cNvGrpSpPr/>
+        <p:nvPr/>
+      </p:nvGrpSpPr>
+      <p:grpSpPr>
+        <a:xfrm>
+          <a:off x="0" y="0"/>
+          <a:ext cx="0" cy="0"/>
+          <a:chOff x="0" y="0"/>
+          <a:chExt cx="0" cy="0"/>
+        </a:xfrm>
+      </p:grpSpPr>
+      <p:sp>
+        <p:nvSpPr>
+          <p:cNvPr id="39" name="Rectangle 38">
+            <a:extLst>
+              <a:ext uri="{FF2B5EF4-FFF2-40B4-BE49-F238E27FC236}">
+                <a16:creationId xmlns:a16="http://schemas.microsoft.com/office/drawing/2014/main" id="{8E2EB503-A017-4457-A105-53638C97DEB8}"/>
+              </a:ext>
+              <a:ext uri="{C183D7F6-B498-43B3-948B-1728B52AA6E4}">
+                <adec:decorative xmlns:adec="http://schemas.microsoft.com/office/drawing/2017/decorative" val="1"/>
+              </a:ext>
+            </a:extLst>
+          </p:cNvPr>
+          <p:cNvSpPr>
+            <a:spLocks noGrp="1" noRot="1" noChangeAspect="1" noMove="1" noResize="1" noEditPoints="1" noAdjustHandles="1" noChangeArrowheads="1" noChangeShapeType="1" noTextEdit="1"/>
+          </p:cNvSpPr>
+          <p:nvPr>
+            <p:extLst>
+              <p:ext uri="{386F3935-93C4-4BCD-93E2-E3B085C9AB24}">
+                <p16:designElem xmlns:p16="http://schemas.microsoft.com/office/powerpoint/2015/main" val="1"/>
+              </p:ext>
+            </p:extLst>
+          </p:nvPr>
+        </p:nvSpPr>
+        <p:spPr>
+          <a:xfrm>
+            <a:off x="0" y="0"/>
+            <a:ext cx="12192000" cy="6866465"/>
+          </a:xfrm>
+          <a:prstGeom prst="rect">
+            <a:avLst/>
+          </a:prstGeom>
+          <a:solidFill>
+            <a:schemeClr val="bg1"/>
+          </a:solidFill>
+          <a:ln>
+            <a:noFill/>
+          </a:ln>
+        </p:spPr>
+        <p:style>
+          <a:lnRef idx="2">
+            <a:schemeClr val="accent1">
+              <a:shade val="50000"/>
+            </a:schemeClr>
+          </a:lnRef>
+          <a:fillRef idx="1">
+            <a:schemeClr val="accent1"/>
+          </a:fillRef>
+          <a:effectRef idx="0">
+            <a:schemeClr val="accent1"/>
+          </a:effectRef>
+          <a:fontRef idx="minor">
+            <a:schemeClr val="lt1"/>
+          </a:fontRef>
+        </p:style>
+        <p:txBody>
+          <a:bodyPr rtlCol="0" anchor="ctr"/>
+          <a:lstStyle/>
+          <a:p>
+            <a:pPr marL="0" marR="0" lvl="0" indent="0" algn="ctr" defTabSz="914400" rtl="0" eaLnBrk="1" fontAlgn="auto" latinLnBrk="0" hangingPunct="1">
+              <a:lnSpc>
+                <a:spcPct val="100000"/>
+              </a:lnSpc>
+              <a:spcBef>
+                <a:spcPts val="0"/>
+              </a:spcBef>
+              <a:spcAft>
+                <a:spcPts val="0"/>
+              </a:spcAft>
+              <a:buClrTx/>
+              <a:buSzTx/>
+              <a:buFontTx/>
+              <a:buNone/>
+              <a:tabLst/>
+              <a:defRPr/>
+            </a:pPr>
+            <a:endParaRPr kumimoji="0" lang="en-US" sz="1800" b="0" i="0" u="none" strike="noStrike" kern="1200" cap="none" spc="0" normalizeH="0" baseline="0" noProof="0">
+              <a:ln>
+                <a:noFill/>
+              </a:ln>
+              <a:solidFill>
+                <a:prstClr val="white"/>
+              </a:solidFill>
+              <a:effectLst/>
+              <a:uLnTx/>
+              <a:uFillTx/>
+              <a:latin typeface="Trebuchet MS" panose="020B0603020202020204"/>
+              <a:ea typeface="+mn-ea"/>
+              <a:cs typeface="+mn-cs"/>
+            </a:endParaRPr>
+          </a:p>
+        </p:txBody>
+      </p:sp>
+      <p:pic>
+        <p:nvPicPr>
+          <p:cNvPr id="20" name="Content Placeholder 4" descr="A picture containing brick, clock, table&#10;&#10;Description automatically generated">
+            <a:extLst>
+              <a:ext uri="{FF2B5EF4-FFF2-40B4-BE49-F238E27FC236}">
+                <a16:creationId xmlns:a16="http://schemas.microsoft.com/office/drawing/2014/main" id="{5873F92E-17C0-4CE3-B8CD-F80F31BEE618}"/>
+              </a:ext>
+            </a:extLst>
+          </p:cNvPr>
+          <p:cNvPicPr>
+            <a:picLocks noChangeAspect="1"/>
+          </p:cNvPicPr>
+          <p:nvPr/>
+        </p:nvPicPr>
+        <p:blipFill rotWithShape="1">
+          <a:blip r:embed="rId2">
+            <a:alphaModFix amt="40000"/>
+          </a:blip>
+          <a:srcRect t="26419" r="-1" b="24711"/>
+          <a:stretch/>
+        </p:blipFill>
+        <p:spPr>
+          <a:xfrm>
+            <a:off x="20" y="-1"/>
+            <a:ext cx="12188804" cy="6866465"/>
+          </a:xfrm>
+          <a:prstGeom prst="rect">
+            <a:avLst/>
+          </a:prstGeom>
+        </p:spPr>
+      </p:pic>
+      <p:sp>
+        <p:nvSpPr>
+          <p:cNvPr id="2" name="Title 1">
+            <a:extLst>
+              <a:ext uri="{FF2B5EF4-FFF2-40B4-BE49-F238E27FC236}">
+                <a16:creationId xmlns:a16="http://schemas.microsoft.com/office/drawing/2014/main" id="{A52C5AA9-999C-BF4F-A765-251C68A75C41}"/>
+              </a:ext>
+            </a:extLst>
+          </p:cNvPr>
+          <p:cNvSpPr>
+            <a:spLocks noGrp="1"/>
+          </p:cNvSpPr>
+          <p:nvPr>
+            <p:ph type="title"/>
+          </p:nvPr>
+        </p:nvSpPr>
+        <p:spPr>
+          <a:xfrm>
+            <a:off x="677334" y="4765972"/>
+            <a:ext cx="8596668" cy="1320800"/>
+          </a:xfrm>
+        </p:spPr>
+        <p:txBody>
+          <a:bodyPr vert="horz" lIns="91440" tIns="45720" rIns="91440" bIns="45720" rtlCol="0" anchor="ctr">
+            <a:normAutofit/>
+          </a:bodyPr>
+          <a:lstStyle/>
+          <a:p>
+            <a:r>
+              <a:rPr lang="en-US" sz="4400" dirty="0">
+                <a:solidFill>
+                  <a:schemeClr val="tx1"/>
+                </a:solidFill>
+              </a:rPr>
+              <a:t>Timeline</a:t>
+            </a:r>
+          </a:p>
+        </p:txBody>
+      </p:sp>
+      <p:sp>
+        <p:nvSpPr>
+          <p:cNvPr id="3" name="Pfeil: nach rechts 2">
+            <a:extLst>
+              <a:ext uri="{FF2B5EF4-FFF2-40B4-BE49-F238E27FC236}">
+                <a16:creationId xmlns:a16="http://schemas.microsoft.com/office/drawing/2014/main" id="{03B404EC-D6B6-49D1-B408-B124F6A755AC}"/>
+              </a:ext>
+            </a:extLst>
+          </p:cNvPr>
+          <p:cNvSpPr/>
+          <p:nvPr/>
+        </p:nvSpPr>
+        <p:spPr>
+          <a:xfrm>
+            <a:off x="452045" y="3907898"/>
+            <a:ext cx="11469949" cy="532660"/>
+          </a:xfrm>
+          <a:prstGeom prst="rightArrow">
+            <a:avLst/>
+          </a:prstGeom>
+          <a:solidFill>
+            <a:schemeClr val="accent1">
+              <a:lumMod val="50000"/>
+            </a:schemeClr>
+          </a:solidFill>
+          <a:ln>
+            <a:solidFill>
+              <a:schemeClr val="accent1">
+                <a:lumMod val="50000"/>
+              </a:schemeClr>
+            </a:solidFill>
+          </a:ln>
+        </p:spPr>
+        <p:style>
+          <a:lnRef idx="2">
+            <a:schemeClr val="accent1">
+              <a:shade val="50000"/>
+            </a:schemeClr>
+          </a:lnRef>
+          <a:fillRef idx="1">
+            <a:schemeClr val="accent1"/>
+          </a:fillRef>
+          <a:effectRef idx="0">
+            <a:schemeClr val="accent1"/>
+          </a:effectRef>
+          <a:fontRef idx="minor">
+            <a:schemeClr val="lt1"/>
+          </a:fontRef>
+        </p:style>
+        <p:txBody>
+          <a:bodyPr rtlCol="0" anchor="ctr"/>
+          <a:lstStyle/>
+          <a:p>
+            <a:pPr algn="ctr"/>
+            <a:endParaRPr lang="de-DE"/>
+          </a:p>
+        </p:txBody>
+      </p:sp>
+      <p:cxnSp>
+        <p:nvCxnSpPr>
+          <p:cNvPr id="5" name="Gerader Verbinder 4">
+            <a:extLst>
+              <a:ext uri="{FF2B5EF4-FFF2-40B4-BE49-F238E27FC236}">
+                <a16:creationId xmlns:a16="http://schemas.microsoft.com/office/drawing/2014/main" id="{6AF67B2A-34FD-498E-B62F-ED4AB7CF7423}"/>
+              </a:ext>
+            </a:extLst>
+          </p:cNvPr>
+          <p:cNvCxnSpPr/>
+          <p:nvPr/>
+        </p:nvCxnSpPr>
+        <p:spPr>
+          <a:xfrm>
+            <a:off x="1560279" y="3907898"/>
+            <a:ext cx="0" cy="532660"/>
+          </a:xfrm>
+          <a:prstGeom prst="line">
+            <a:avLst/>
+          </a:prstGeom>
+          <a:ln w="76200">
+            <a:solidFill>
+              <a:schemeClr val="accent2"/>
+            </a:solidFill>
+          </a:ln>
+        </p:spPr>
+        <p:style>
+          <a:lnRef idx="1">
+            <a:schemeClr val="accent2"/>
+          </a:lnRef>
+          <a:fillRef idx="0">
+            <a:schemeClr val="accent2"/>
+          </a:fillRef>
+          <a:effectRef idx="0">
+            <a:schemeClr val="accent2"/>
+          </a:effectRef>
+          <a:fontRef idx="minor">
+            <a:schemeClr val="tx1"/>
+          </a:fontRef>
+        </p:style>
+      </p:cxnSp>
+      <p:cxnSp>
+        <p:nvCxnSpPr>
+          <p:cNvPr id="8" name="Gerader Verbinder 7">
+            <a:extLst>
+              <a:ext uri="{FF2B5EF4-FFF2-40B4-BE49-F238E27FC236}">
+                <a16:creationId xmlns:a16="http://schemas.microsoft.com/office/drawing/2014/main" id="{6302237E-3245-4168-ADCD-5F5062A6E516}"/>
+              </a:ext>
+            </a:extLst>
+          </p:cNvPr>
+          <p:cNvCxnSpPr/>
+          <p:nvPr/>
+        </p:nvCxnSpPr>
+        <p:spPr>
+          <a:xfrm>
+            <a:off x="3149367" y="3899760"/>
+            <a:ext cx="0" cy="532660"/>
+          </a:xfrm>
+          <a:prstGeom prst="line">
+            <a:avLst/>
+          </a:prstGeom>
+          <a:ln w="76200">
+            <a:solidFill>
+              <a:schemeClr val="accent2"/>
+            </a:solidFill>
+          </a:ln>
+        </p:spPr>
+        <p:style>
+          <a:lnRef idx="1">
+            <a:schemeClr val="accent2"/>
+          </a:lnRef>
+          <a:fillRef idx="0">
+            <a:schemeClr val="accent2"/>
+          </a:fillRef>
+          <a:effectRef idx="0">
+            <a:schemeClr val="accent2"/>
+          </a:effectRef>
+          <a:fontRef idx="minor">
+            <a:schemeClr val="tx1"/>
+          </a:fontRef>
+        </p:style>
+      </p:cxnSp>
+      <p:cxnSp>
+        <p:nvCxnSpPr>
+          <p:cNvPr id="9" name="Gerader Verbinder 8">
+            <a:extLst>
+              <a:ext uri="{FF2B5EF4-FFF2-40B4-BE49-F238E27FC236}">
+                <a16:creationId xmlns:a16="http://schemas.microsoft.com/office/drawing/2014/main" id="{00274927-1A83-4F0B-BC8A-97045D0ADF81}"/>
+              </a:ext>
+            </a:extLst>
+          </p:cNvPr>
+          <p:cNvCxnSpPr/>
+          <p:nvPr/>
+        </p:nvCxnSpPr>
+        <p:spPr>
+          <a:xfrm>
+            <a:off x="5649090" y="3872387"/>
+            <a:ext cx="0" cy="532660"/>
+          </a:xfrm>
+          <a:prstGeom prst="line">
+            <a:avLst/>
+          </a:prstGeom>
+          <a:ln w="76200">
+            <a:solidFill>
+              <a:schemeClr val="accent2"/>
+            </a:solidFill>
+          </a:ln>
+        </p:spPr>
+        <p:style>
+          <a:lnRef idx="1">
+            <a:schemeClr val="accent2"/>
+          </a:lnRef>
+          <a:fillRef idx="0">
+            <a:schemeClr val="accent2"/>
+          </a:fillRef>
+          <a:effectRef idx="0">
+            <a:schemeClr val="accent2"/>
+          </a:effectRef>
+          <a:fontRef idx="minor">
+            <a:schemeClr val="tx1"/>
+          </a:fontRef>
+        </p:style>
+      </p:cxnSp>
+      <p:cxnSp>
+        <p:nvCxnSpPr>
+          <p:cNvPr id="11" name="Gerader Verbinder 10">
+            <a:extLst>
+              <a:ext uri="{FF2B5EF4-FFF2-40B4-BE49-F238E27FC236}">
+                <a16:creationId xmlns:a16="http://schemas.microsoft.com/office/drawing/2014/main" id="{CE152FEF-5B86-421E-B6D2-A7656EF5F6E2}"/>
+              </a:ext>
+            </a:extLst>
+          </p:cNvPr>
+          <p:cNvCxnSpPr/>
+          <p:nvPr/>
+        </p:nvCxnSpPr>
+        <p:spPr>
+          <a:xfrm>
+            <a:off x="7299687" y="3872387"/>
+            <a:ext cx="0" cy="532660"/>
+          </a:xfrm>
+          <a:prstGeom prst="line">
+            <a:avLst/>
+          </a:prstGeom>
+          <a:ln w="76200">
+            <a:solidFill>
+              <a:schemeClr val="accent2"/>
+            </a:solidFill>
+          </a:ln>
+        </p:spPr>
+        <p:style>
+          <a:lnRef idx="1">
+            <a:schemeClr val="accent2"/>
+          </a:lnRef>
+          <a:fillRef idx="0">
+            <a:schemeClr val="accent2"/>
+          </a:fillRef>
+          <a:effectRef idx="0">
+            <a:schemeClr val="accent2"/>
+          </a:effectRef>
+          <a:fontRef idx="minor">
+            <a:schemeClr val="tx1"/>
+          </a:fontRef>
+        </p:style>
+      </p:cxnSp>
+      <p:cxnSp>
+        <p:nvCxnSpPr>
+          <p:cNvPr id="12" name="Gerader Verbinder 11">
+            <a:extLst>
+              <a:ext uri="{FF2B5EF4-FFF2-40B4-BE49-F238E27FC236}">
+                <a16:creationId xmlns:a16="http://schemas.microsoft.com/office/drawing/2014/main" id="{E5373504-34A5-4D1F-816C-224B87489BBC}"/>
+              </a:ext>
+            </a:extLst>
+          </p:cNvPr>
+          <p:cNvCxnSpPr/>
+          <p:nvPr/>
+        </p:nvCxnSpPr>
+        <p:spPr>
+          <a:xfrm>
+            <a:off x="10838917" y="3899760"/>
+            <a:ext cx="0" cy="532660"/>
+          </a:xfrm>
+          <a:prstGeom prst="line">
+            <a:avLst/>
+          </a:prstGeom>
+          <a:ln w="76200">
+            <a:solidFill>
+              <a:schemeClr val="accent2"/>
+            </a:solidFill>
+          </a:ln>
+        </p:spPr>
+        <p:style>
+          <a:lnRef idx="1">
+            <a:schemeClr val="accent2"/>
+          </a:lnRef>
+          <a:fillRef idx="0">
+            <a:schemeClr val="accent2"/>
+          </a:fillRef>
+          <a:effectRef idx="0">
+            <a:schemeClr val="accent2"/>
+          </a:effectRef>
+          <a:fontRef idx="minor">
+            <a:schemeClr val="tx1"/>
+          </a:fontRef>
+        </p:style>
+      </p:cxnSp>
+      <p:sp>
+        <p:nvSpPr>
+          <p:cNvPr id="6" name="Textfeld 5">
+            <a:extLst>
+              <a:ext uri="{FF2B5EF4-FFF2-40B4-BE49-F238E27FC236}">
+                <a16:creationId xmlns:a16="http://schemas.microsoft.com/office/drawing/2014/main" id="{E67173C0-FDE6-400B-B1E3-C743EBF93A2B}"/>
+              </a:ext>
+            </a:extLst>
+          </p:cNvPr>
+          <p:cNvSpPr txBox="1"/>
+          <p:nvPr/>
+        </p:nvSpPr>
+        <p:spPr>
+          <a:xfrm>
+            <a:off x="1125273" y="4546842"/>
+            <a:ext cx="790110" cy="369332"/>
+          </a:xfrm>
+          <a:prstGeom prst="rect">
+            <a:avLst/>
+          </a:prstGeom>
+          <a:solidFill>
+            <a:schemeClr val="tx1"/>
+          </a:solidFill>
+        </p:spPr>
+        <p:txBody>
+          <a:bodyPr wrap="square" rtlCol="0">
+            <a:spAutoFit/>
+          </a:bodyPr>
+          <a:lstStyle/>
+          <a:p>
+            <a:r>
+              <a:rPr lang="de-DE" dirty="0">
+                <a:solidFill>
+                  <a:schemeClr val="bg1"/>
+                </a:solidFill>
+              </a:rPr>
+              <a:t>14.02</a:t>
+            </a:r>
+          </a:p>
+        </p:txBody>
+      </p:sp>
+      <p:sp>
+        <p:nvSpPr>
+          <p:cNvPr id="14" name="Textfeld 13">
+            <a:extLst>
+              <a:ext uri="{FF2B5EF4-FFF2-40B4-BE49-F238E27FC236}">
+                <a16:creationId xmlns:a16="http://schemas.microsoft.com/office/drawing/2014/main" id="{811B707C-269A-43BC-9FD1-746854153017}"/>
+              </a:ext>
+            </a:extLst>
+          </p:cNvPr>
+          <p:cNvSpPr txBox="1"/>
+          <p:nvPr/>
+        </p:nvSpPr>
+        <p:spPr>
+          <a:xfrm>
+            <a:off x="2754312" y="3432282"/>
+            <a:ext cx="790110" cy="369332"/>
+          </a:xfrm>
+          <a:prstGeom prst="rect">
+            <a:avLst/>
+          </a:prstGeom>
+          <a:solidFill>
+            <a:schemeClr val="tx1"/>
+          </a:solidFill>
+        </p:spPr>
+        <p:txBody>
+          <a:bodyPr wrap="square" rtlCol="0">
+            <a:spAutoFit/>
+          </a:bodyPr>
+          <a:lstStyle/>
+          <a:p>
+            <a:r>
+              <a:rPr lang="de-DE" dirty="0">
+                <a:solidFill>
+                  <a:schemeClr val="bg1"/>
+                </a:solidFill>
+              </a:rPr>
+              <a:t>18.02</a:t>
+            </a:r>
+          </a:p>
+        </p:txBody>
+      </p:sp>
+      <p:sp>
+        <p:nvSpPr>
+          <p:cNvPr id="15" name="Textfeld 14">
+            <a:extLst>
+              <a:ext uri="{FF2B5EF4-FFF2-40B4-BE49-F238E27FC236}">
+                <a16:creationId xmlns:a16="http://schemas.microsoft.com/office/drawing/2014/main" id="{C78B6CDB-9BA7-497C-B2A7-971F0DFD1362}"/>
+              </a:ext>
+            </a:extLst>
+          </p:cNvPr>
+          <p:cNvSpPr txBox="1"/>
+          <p:nvPr/>
+        </p:nvSpPr>
+        <p:spPr>
+          <a:xfrm>
+            <a:off x="5254035" y="4546842"/>
+            <a:ext cx="790110" cy="369332"/>
+          </a:xfrm>
+          <a:prstGeom prst="rect">
+            <a:avLst/>
+          </a:prstGeom>
+          <a:solidFill>
+            <a:schemeClr val="tx1"/>
+          </a:solidFill>
+        </p:spPr>
+        <p:txBody>
+          <a:bodyPr wrap="square" rtlCol="0">
+            <a:spAutoFit/>
+          </a:bodyPr>
+          <a:lstStyle/>
+          <a:p>
+            <a:r>
+              <a:rPr lang="de-DE" dirty="0">
+                <a:solidFill>
+                  <a:schemeClr val="bg1"/>
+                </a:solidFill>
+              </a:rPr>
+              <a:t>24.02</a:t>
+            </a:r>
+          </a:p>
+        </p:txBody>
+      </p:sp>
+      <p:sp>
+        <p:nvSpPr>
+          <p:cNvPr id="17" name="Textfeld 16">
+            <a:extLst>
+              <a:ext uri="{FF2B5EF4-FFF2-40B4-BE49-F238E27FC236}">
+                <a16:creationId xmlns:a16="http://schemas.microsoft.com/office/drawing/2014/main" id="{11FB6238-6B36-4C88-9581-459F7D545D28}"/>
+              </a:ext>
+            </a:extLst>
+          </p:cNvPr>
+          <p:cNvSpPr txBox="1"/>
+          <p:nvPr/>
+        </p:nvSpPr>
+        <p:spPr>
+          <a:xfrm>
+            <a:off x="6904632" y="3427360"/>
+            <a:ext cx="790110" cy="369332"/>
+          </a:xfrm>
+          <a:prstGeom prst="rect">
+            <a:avLst/>
+          </a:prstGeom>
+          <a:solidFill>
+            <a:schemeClr val="tx1"/>
+          </a:solidFill>
+        </p:spPr>
+        <p:txBody>
+          <a:bodyPr wrap="square" rtlCol="0">
+            <a:spAutoFit/>
+          </a:bodyPr>
+          <a:lstStyle/>
+          <a:p>
+            <a:r>
+              <a:rPr lang="de-DE" dirty="0">
+                <a:solidFill>
+                  <a:schemeClr val="bg1"/>
+                </a:solidFill>
+              </a:rPr>
+              <a:t>28.02</a:t>
+            </a:r>
+          </a:p>
+        </p:txBody>
+      </p:sp>
+      <p:sp>
+        <p:nvSpPr>
+          <p:cNvPr id="18" name="Textfeld 17">
+            <a:extLst>
+              <a:ext uri="{FF2B5EF4-FFF2-40B4-BE49-F238E27FC236}">
+                <a16:creationId xmlns:a16="http://schemas.microsoft.com/office/drawing/2014/main" id="{5214D033-7317-4E58-89C6-86448DFFCF29}"/>
+              </a:ext>
+            </a:extLst>
+          </p:cNvPr>
+          <p:cNvSpPr txBox="1"/>
+          <p:nvPr/>
+        </p:nvSpPr>
+        <p:spPr>
+          <a:xfrm>
+            <a:off x="10443862" y="4546842"/>
+            <a:ext cx="790110" cy="369332"/>
+          </a:xfrm>
+          <a:prstGeom prst="rect">
+            <a:avLst/>
+          </a:prstGeom>
+          <a:solidFill>
+            <a:schemeClr val="tx1"/>
+          </a:solidFill>
+        </p:spPr>
+        <p:txBody>
+          <a:bodyPr wrap="square" rtlCol="0">
+            <a:spAutoFit/>
+          </a:bodyPr>
+          <a:lstStyle/>
+          <a:p>
+            <a:r>
+              <a:rPr lang="de-DE" dirty="0">
+                <a:solidFill>
+                  <a:schemeClr val="bg1"/>
+                </a:solidFill>
+              </a:rPr>
+              <a:t>05.03</a:t>
+            </a:r>
+          </a:p>
+        </p:txBody>
+      </p:sp>
+    </p:spTree>
+    <p:extLst>
+      <p:ext uri="{BB962C8B-B14F-4D97-AF65-F5344CB8AC3E}">
+        <p14:creationId xmlns:p14="http://schemas.microsoft.com/office/powerpoint/2010/main" val="405733527"/>
+      </p:ext>
+    </p:extLst>
+  </p:cSld>
+  <p:clrMapOvr>
+    <a:overrideClrMapping bg1="dk1" tx1="lt1" bg2="dk2" tx2="lt2" accent1="accent1" accent2="accent2" accent3="accent3" accent4="accent4" accent5="accent5" accent6="accent6" hlink="hlink" folHlink="folHlink"/>
+  </p:clrMapOvr>
+  <mc:AlternateContent xmlns:mc="http://schemas.openxmlformats.org/markup-compatibility/2006" xmlns:p159="http://schemas.microsoft.com/office/powerpoint/2015/09/main">
+    <mc:Choice Requires="p159">
+      <p:transition xmlns:p14="http://schemas.microsoft.com/office/powerpoint/2010/main" spd="slow" p14:dur="2000">
+        <p159:morph option="byObject"/>
+      </p:transition>
+    </mc:Choice>
+    <mc:Fallback xmlns="">
       <p:transition spd="slow">
         <p:fade/>
       </p:transition>
